--- a/Collaborative Robotics User interface and HRI Metrics [Autosaved].pptx
+++ b/Collaborative Robotics User interface and HRI Metrics [Autosaved].pptx
@@ -222,7 +222,7 @@
           <a:p>
             <a:fld id="{EDFED6FB-CEE5-460E-A2E7-CAF03677117E}" type="datetimeFigureOut">
               <a:rPr lang="en-US" smtClean="0"/>
-              <a:t>7/16/2019</a:t>
+              <a:t>7/18/2019</a:t>
             </a:fld>
             <a:endParaRPr lang="en-US"/>
           </a:p>
@@ -677,7 +677,7 @@
           <a:p>
             <a:fld id="{33F8A6F0-D26C-4B19-9A17-40C11A0EDF7C}" type="datetime1">
               <a:rPr lang="en-US" smtClean="0"/>
-              <a:t>7/16/2019</a:t>
+              <a:t>7/18/2019</a:t>
             </a:fld>
             <a:endParaRPr lang="en-US" dirty="0"/>
           </a:p>
@@ -1003,7 +1003,7 @@
           <a:p>
             <a:fld id="{90CD9D8E-F242-4203-8EE6-688EA94AC14C}" type="datetime1">
               <a:rPr lang="en-US" smtClean="0"/>
-              <a:t>7/16/2019</a:t>
+              <a:t>7/18/2019</a:t>
             </a:fld>
             <a:endParaRPr lang="en-US" dirty="0"/>
           </a:p>
@@ -1178,7 +1178,7 @@
           <a:p>
             <a:fld id="{FB64C301-B5B6-46F7-9B32-04453837B3DB}" type="datetime1">
               <a:rPr lang="en-US" smtClean="0"/>
-              <a:t>7/16/2019</a:t>
+              <a:t>7/18/2019</a:t>
             </a:fld>
             <a:endParaRPr lang="en-US" dirty="0"/>
           </a:p>
@@ -1343,7 +1343,7 @@
           <a:p>
             <a:fld id="{8C6E4506-ACB1-4965-BEAE-59E77912390F}" type="datetime1">
               <a:rPr lang="en-US" smtClean="0"/>
-              <a:t>7/16/2019</a:t>
+              <a:t>7/18/2019</a:t>
             </a:fld>
             <a:endParaRPr lang="en-US" dirty="0"/>
           </a:p>
@@ -1615,7 +1615,7 @@
           <a:p>
             <a:fld id="{F4FC7FCA-5CE9-46FC-BA71-B3F9F9253528}" type="datetime1">
               <a:rPr lang="en-US" smtClean="0"/>
-              <a:t>7/16/2019</a:t>
+              <a:t>7/18/2019</a:t>
             </a:fld>
             <a:endParaRPr lang="en-US" dirty="0"/>
           </a:p>
@@ -2005,7 +2005,7 @@
           <a:p>
             <a:fld id="{2812FE64-ABC3-4CA6-B131-DD31A83F6BC5}" type="datetime1">
               <a:rPr lang="en-US" smtClean="0"/>
-              <a:t>7/16/2019</a:t>
+              <a:t>7/18/2019</a:t>
             </a:fld>
             <a:endParaRPr lang="en-US" dirty="0"/>
           </a:p>
@@ -2477,7 +2477,7 @@
           <a:p>
             <a:fld id="{0056F1BE-4726-4202-80AA-15A326510794}" type="datetime1">
               <a:rPr lang="en-US" smtClean="0"/>
-              <a:t>7/16/2019</a:t>
+              <a:t>7/18/2019</a:t>
             </a:fld>
             <a:endParaRPr lang="en-US" dirty="0"/>
           </a:p>
@@ -2590,7 +2590,7 @@
           <a:p>
             <a:fld id="{3E7E9869-FA3F-4A7E-9363-F73B6A02ED6C}" type="datetime1">
               <a:rPr lang="en-US" smtClean="0"/>
-              <a:t>7/16/2019</a:t>
+              <a:t>7/18/2019</a:t>
             </a:fld>
             <a:endParaRPr lang="en-US" dirty="0"/>
           </a:p>
@@ -2680,7 +2680,7 @@
           <a:p>
             <a:fld id="{EC269C21-28DC-4B2C-95EE-C70D46F9B1EA}" type="datetime1">
               <a:rPr lang="en-US" smtClean="0"/>
-              <a:t>7/16/2019</a:t>
+              <a:t>7/18/2019</a:t>
             </a:fld>
             <a:endParaRPr lang="en-US" dirty="0"/>
           </a:p>
@@ -3021,7 +3021,7 @@
           <a:p>
             <a:fld id="{32D7426B-7980-4225-B0EC-294F4CCADDC3}" type="datetime1">
               <a:rPr lang="en-US" smtClean="0"/>
-              <a:t>7/16/2019</a:t>
+              <a:t>7/18/2019</a:t>
             </a:fld>
             <a:endParaRPr lang="en-US" dirty="0"/>
           </a:p>
@@ -3405,7 +3405,7 @@
           <a:p>
             <a:fld id="{1E542495-1D88-457C-A7CE-F29CDFC4BCBD}" type="datetime1">
               <a:rPr lang="en-US" smtClean="0"/>
-              <a:t>7/16/2019</a:t>
+              <a:t>7/18/2019</a:t>
             </a:fld>
             <a:endParaRPr lang="en-US" dirty="0"/>
           </a:p>
@@ -3679,7 +3679,7 @@
           <a:p>
             <a:fld id="{803EB495-F757-45D6-82C3-F3E34A9D045B}" type="datetime1">
               <a:rPr lang="en-US" smtClean="0"/>
-              <a:t>7/16/2019</a:t>
+              <a:t>7/18/2019</a:t>
             </a:fld>
             <a:endParaRPr lang="en-US" dirty="0"/>
           </a:p>
@@ -4122,7 +4122,7 @@
       </a:lvl9pPr>
     </p:otherStyle>
   </p:txStyles>
-  <p:extLst mod="1">
+  <p:extLst>
     <p:ext uri="{27BBF7A9-308A-43DC-89C8-2F10F3537804}">
       <p15:sldGuideLst xmlns:p15="http://schemas.microsoft.com/office/powerpoint/2012/main">
         <p15:guide id="3" orient="horz" pos="1368">
@@ -4659,7 +4659,7 @@
           <a:p>
             <a:r>
               <a:rPr lang="en-US" dirty="0"/>
-              <a:t>Metrics from the user such as the amount of points/effort taken to complete a task were noted</a:t>
+              <a:t>Metrics from the user such as the amount of points/effort taken to complete a task were noted and can be taken from the data</a:t>
             </a:r>
           </a:p>
           <a:p>
@@ -4827,7 +4827,7 @@
         </p:spPr>
         <p:txBody>
           <a:bodyPr>
-            <a:normAutofit lnSpcReduction="10000"/>
+            <a:normAutofit/>
           </a:bodyPr>
           <a:lstStyle/>
           <a:p>
@@ -4839,13 +4839,7 @@
           <a:p>
             <a:r>
               <a:rPr lang="en-US" dirty="0"/>
-              <a:t>These studies will be looking at the use of state-of-the art technologies being utilized such as virtual reality, augmented reality, EEG sensors, or wearable technologies.</a:t>
-            </a:r>
-          </a:p>
-          <a:p>
-            <a:r>
-              <a:rPr lang="en-US" dirty="0"/>
-              <a:t>These studies will be vital for the creation of standards that can be applied for worldwide applications. </a:t>
+              <a:t>These studies will be looking at the use of state-of-the art technologies being utilized such as virtual reality, augmented reality, brain computer interface, or wearable technologies.</a:t>
             </a:r>
           </a:p>
           <a:p>
@@ -4857,7 +4851,7 @@
           <a:p>
             <a:r>
               <a:rPr lang="en-US" dirty="0"/>
-              <a:t>In the near future, NIST will be conducting live trails to experiment on currently developed technology </a:t>
+              <a:t>NIST will be conducting live trails to experiment on currently developed technology such as this and other tools </a:t>
             </a:r>
           </a:p>
         </p:txBody>
@@ -5116,6 +5110,41 @@
           </a:p>
         </p:txBody>
       </p:sp>
+      <p:sp>
+        <p:nvSpPr>
+          <p:cNvPr id="6" name="TextBox 5">
+            <a:extLst>
+              <a:ext uri="{FF2B5EF4-FFF2-40B4-BE49-F238E27FC236}">
+                <a16:creationId xmlns:a16="http://schemas.microsoft.com/office/drawing/2014/main" id="{761B2367-5F43-430B-9E22-B9CF2F099CD8}"/>
+              </a:ext>
+            </a:extLst>
+          </p:cNvPr>
+          <p:cNvSpPr txBox="1"/>
+          <p:nvPr/>
+        </p:nvSpPr>
+        <p:spPr>
+          <a:xfrm>
+            <a:off x="765024" y="5725099"/>
+            <a:ext cx="7426475" cy="369332"/>
+          </a:xfrm>
+          <a:prstGeom prst="rect">
+            <a:avLst/>
+          </a:prstGeom>
+          <a:noFill/>
+        </p:spPr>
+        <p:txBody>
+          <a:bodyPr wrap="square" rtlCol="0">
+            <a:spAutoFit/>
+          </a:bodyPr>
+          <a:lstStyle/>
+          <a:p>
+            <a:r>
+              <a:rPr lang="en-US" dirty="0"/>
+              <a:t>Thank you for NIST SURF 2019!</a:t>
+            </a:r>
+          </a:p>
+        </p:txBody>
+      </p:sp>
     </p:spTree>
     <p:extLst>
       <p:ext uri="{BB962C8B-B14F-4D97-AF65-F5344CB8AC3E}">
@@ -5401,7 +5430,7 @@
         <p:spPr>
           <a:xfrm>
             <a:off x="1371600" y="1753986"/>
-            <a:ext cx="9601200" cy="4113414"/>
+            <a:ext cx="8281358" cy="4113414"/>
           </a:xfrm>
         </p:spPr>
         <p:txBody>
@@ -5412,7 +5441,7 @@
           <a:p>
             <a:r>
               <a:rPr lang="en-US" sz="2400" dirty="0"/>
-              <a:t>Collaborative Robotics is an emerging field of robotics where the core concept is improving the user experience between human and robot. </a:t>
+              <a:t>Collaborative Robotics is an emerging field of robotics where the core concept is improving the social interaction between human and robot. </a:t>
             </a:r>
           </a:p>
           <a:p>
@@ -5581,31 +5610,25 @@
         </p:spPr>
         <p:txBody>
           <a:bodyPr>
-            <a:normAutofit fontScale="92500" lnSpcReduction="10000"/>
+            <a:normAutofit lnSpcReduction="10000"/>
           </a:bodyPr>
           <a:lstStyle/>
           <a:p>
             <a:r>
               <a:rPr lang="en-US" sz="2400" dirty="0"/>
-              <a:t>Human-robot interaction is primarily determined by the quality and effectiveness of human-machine interfaces (HMI) </a:t>
+              <a:t>The quality of HRI depends on the effectivity of human-machine interfaces (HMI) to provide reliable information to the operator</a:t>
             </a:r>
           </a:p>
           <a:p>
             <a:r>
               <a:rPr lang="en-US" sz="2400" dirty="0"/>
-              <a:t>HMI is used by an operator for control and feedback on a robot system and they can vary widely in operation and appearance. </a:t>
+              <a:t>HMI is used by an operator for control and feedback on a robot system and varies widely in operation and appearance</a:t>
             </a:r>
           </a:p>
           <a:p>
             <a:r>
               <a:rPr lang="en-US" sz="2400" dirty="0"/>
-              <a:t>The rise of collaborative robots in manufacturing increased HRI’s importance</a:t>
-            </a:r>
-          </a:p>
-          <a:p>
-            <a:r>
-              <a:rPr lang="en-US" sz="2400" dirty="0"/>
-              <a:t>HRI is important to cut down on training costs, the cost of remodeling a factory floor, and reduce the amount of confusion while utilizing HMI</a:t>
+              <a:t>HRI is important to cut down on training costs, improve factory floor remodeling times, and reduce the amount of practice time while utilizing a robot’s HMI</a:t>
             </a:r>
           </a:p>
         </p:txBody>
@@ -5859,7 +5882,7 @@
           <a:p>
             <a:r>
               <a:rPr lang="en-US" dirty="0"/>
-              <a:t>An effective HMI system allows the user to control the robot in an effective manner that speeds up the system or allows enough flexibility to improve system performance </a:t>
+              <a:t>Effective design includes a balanced amount of information; allowing the operator to control the robot and decide the course of action depending on the situational awareness of the problem</a:t>
             </a:r>
           </a:p>
         </p:txBody>
@@ -6098,7 +6121,7 @@
           <a:p>
             <a:r>
               <a:rPr lang="en-US" dirty="0"/>
-              <a:t>Some metrics used to quantify the experience include: effectiveness, efficiency, reaction time, precision, or communication time 		</a:t>
+              <a:t>Some metrics used to quantify the experience include effectiveness, efficiency, reaction time, precision, and/or communication time 		</a:t>
             </a:r>
           </a:p>
           <a:p>
@@ -6494,13 +6517,13 @@
           <a:p>
             <a:r>
               <a:rPr lang="en-US" dirty="0"/>
-              <a:t>For determining the best case scenario for an interface we will be experimenting on a system that allows researchers to tweak and change the interface options</a:t>
+              <a:t>To test scenarios for UI experience the system should allow researchers to tweak and change the interface to observe for changes</a:t>
             </a:r>
           </a:p>
           <a:p>
             <a:r>
               <a:rPr lang="en-US" dirty="0"/>
-              <a:t>This setup consists of a tablet with a modifiable interface and the inclusion of a motion capture system to track user position. </a:t>
+              <a:t>The setup consists of a tablet with a modifiable interface and the inclusion of a motion capture system to track user position</a:t>
             </a:r>
           </a:p>
           <a:p>
@@ -6598,8 +6621,8 @@
         </p:blipFill>
         <p:spPr>
           <a:xfrm>
-            <a:off x="8921903" y="1909333"/>
-            <a:ext cx="2581577" cy="2676114"/>
+            <a:off x="9563329" y="2727198"/>
+            <a:ext cx="1831822" cy="1898903"/>
           </a:xfrm>
           <a:prstGeom prst="rect">
             <a:avLst/>
@@ -6634,8 +6657,8 @@
         </p:nvSpPr>
         <p:spPr>
           <a:xfrm>
-            <a:off x="8520545" y="4654611"/>
-            <a:ext cx="3236720" cy="369332"/>
+            <a:off x="8774347" y="5221069"/>
+            <a:ext cx="3409786" cy="646331"/>
           </a:xfrm>
           <a:prstGeom prst="rect">
             <a:avLst/>
@@ -6643,18 +6666,107 @@
           <a:noFill/>
         </p:spPr>
         <p:txBody>
-          <a:bodyPr wrap="none" rtlCol="0">
+          <a:bodyPr wrap="square" rtlCol="0">
             <a:spAutoFit/>
           </a:bodyPr>
           <a:lstStyle/>
           <a:p>
+            <a:pPr algn="ctr"/>
             <a:r>
               <a:rPr lang="en-US" dirty="0"/>
-              <a:t>Figure ?  - Control Robots with </a:t>
-            </a:r>
-          </a:p>
-        </p:txBody>
-      </p:sp>
+              <a:t>Figure ?  - Control Robots with different interfaces </a:t>
+            </a:r>
+          </a:p>
+        </p:txBody>
+      </p:sp>
+      <p:pic>
+        <p:nvPicPr>
+          <p:cNvPr id="9" name="Picture 8" descr="A screen shot of a computer&#10;&#10;Description automatically generated">
+            <a:extLst>
+              <a:ext uri="{FF2B5EF4-FFF2-40B4-BE49-F238E27FC236}">
+                <a16:creationId xmlns:a16="http://schemas.microsoft.com/office/drawing/2014/main" id="{6DADEF63-3349-4B64-81D3-6E765764A188}"/>
+              </a:ext>
+            </a:extLst>
+          </p:cNvPr>
+          <p:cNvPicPr>
+            <a:picLocks noChangeAspect="1"/>
+          </p:cNvPicPr>
+          <p:nvPr/>
+        </p:nvPicPr>
+        <p:blipFill>
+          <a:blip r:embed="rId3"/>
+          <a:stretch>
+            <a:fillRect/>
+          </a:stretch>
+        </p:blipFill>
+        <p:spPr>
+          <a:xfrm>
+            <a:off x="9617228" y="685800"/>
+            <a:ext cx="1724025" cy="1724025"/>
+          </a:xfrm>
+          <a:prstGeom prst="rect">
+            <a:avLst/>
+          </a:prstGeom>
+          <a:ln w="38100" cap="sq">
+            <a:solidFill>
+              <a:srgbClr val="000000"/>
+            </a:solidFill>
+            <a:prstDash val="solid"/>
+            <a:miter lim="800000"/>
+          </a:ln>
+          <a:effectLst>
+            <a:outerShdw blurRad="50800" dist="38100" dir="2700000" algn="tl" rotWithShape="0">
+              <a:srgbClr val="000000">
+                <a:alpha val="43000"/>
+              </a:srgbClr>
+            </a:outerShdw>
+          </a:effectLst>
+        </p:spPr>
+      </p:pic>
+      <p:pic>
+        <p:nvPicPr>
+          <p:cNvPr id="10" name="Picture 9">
+            <a:extLst>
+              <a:ext uri="{FF2B5EF4-FFF2-40B4-BE49-F238E27FC236}">
+                <a16:creationId xmlns:a16="http://schemas.microsoft.com/office/drawing/2014/main" id="{0D5012DD-4833-43DC-9B73-8EB3F8C942C4}"/>
+              </a:ext>
+            </a:extLst>
+          </p:cNvPr>
+          <p:cNvPicPr>
+            <a:picLocks noChangeAspect="1"/>
+          </p:cNvPicPr>
+          <p:nvPr/>
+        </p:nvPicPr>
+        <p:blipFill>
+          <a:blip r:embed="rId4"/>
+          <a:stretch>
+            <a:fillRect/>
+          </a:stretch>
+        </p:blipFill>
+        <p:spPr>
+          <a:xfrm>
+            <a:off x="7286798" y="627893"/>
+            <a:ext cx="1752600" cy="504825"/>
+          </a:xfrm>
+          <a:prstGeom prst="rect">
+            <a:avLst/>
+          </a:prstGeom>
+          <a:ln w="38100" cap="sq">
+            <a:solidFill>
+              <a:srgbClr val="000000"/>
+            </a:solidFill>
+            <a:prstDash val="solid"/>
+            <a:miter lim="800000"/>
+          </a:ln>
+          <a:effectLst>
+            <a:outerShdw blurRad="50800" dist="38100" dir="2700000" algn="tl" rotWithShape="0">
+              <a:srgbClr val="000000">
+                <a:alpha val="43000"/>
+              </a:srgbClr>
+            </a:outerShdw>
+          </a:effectLst>
+        </p:spPr>
+      </p:pic>
     </p:spTree>
     <p:extLst>
       <p:ext uri="{BB962C8B-B14F-4D97-AF65-F5344CB8AC3E}">

--- a/Collaborative Robotics User interface and HRI Metrics [Autosaved].pptx
+++ b/Collaborative Robotics User interface and HRI Metrics [Autosaved].pptx
@@ -5,23 +5,26 @@
     <p:sldMasterId id="2147483648" r:id="rId1"/>
   </p:sldMasterIdLst>
   <p:notesMasterIdLst>
-    <p:notesMasterId r:id="rId16"/>
+    <p:notesMasterId r:id="rId19"/>
   </p:notesMasterIdLst>
   <p:sldIdLst>
     <p:sldId id="256" r:id="rId2"/>
     <p:sldId id="262" r:id="rId3"/>
     <p:sldId id="263" r:id="rId4"/>
     <p:sldId id="264" r:id="rId5"/>
-    <p:sldId id="265" r:id="rId6"/>
-    <p:sldId id="270" r:id="rId7"/>
+    <p:sldId id="276" r:id="rId6"/>
+    <p:sldId id="265" r:id="rId7"/>
     <p:sldId id="266" r:id="rId8"/>
-    <p:sldId id="273" r:id="rId9"/>
-    <p:sldId id="269" r:id="rId10"/>
-    <p:sldId id="271" r:id="rId11"/>
+    <p:sldId id="275" r:id="rId9"/>
+    <p:sldId id="273" r:id="rId10"/>
+    <p:sldId id="269" r:id="rId11"/>
     <p:sldId id="272" r:id="rId12"/>
     <p:sldId id="267" r:id="rId13"/>
     <p:sldId id="268" r:id="rId14"/>
     <p:sldId id="261" r:id="rId15"/>
+    <p:sldId id="274" r:id="rId16"/>
+    <p:sldId id="271" r:id="rId17"/>
+    <p:sldId id="270" r:id="rId18"/>
   </p:sldIdLst>
   <p:sldSz cx="12192000" cy="6858000"/>
   <p:notesSz cx="6858000" cy="9144000"/>
@@ -154,6 +157,20 @@
 </p:cmLst>
 </file>
 
+<file path=ppt/comments/comment10.xml><?xml version="1.0" encoding="utf-8"?>
+<p:cmLst xmlns:a="http://schemas.openxmlformats.org/drawingml/2006/main" xmlns:r="http://schemas.openxmlformats.org/officeDocument/2006/relationships" xmlns:p="http://schemas.openxmlformats.org/presentationml/2006/main">
+  <p:cm authorId="1" dt="2019-07-22T09:44:19.380" idx="16">
+    <p:pos x="3181" y="1745"/>
+    <p:text>Not sure what this terminology means.</p:text>
+    <p:extLst>
+      <p:ext uri="{C676402C-5697-4E1C-873F-D02D1690AC5C}">
+        <p15:threadingInfo xmlns:p15="http://schemas.microsoft.com/office/powerpoint/2012/main" timeZoneBias="240"/>
+      </p:ext>
+    </p:extLst>
+  </p:cm>
+</p:cmLst>
+</file>
+
 <file path=ppt/comments/comment2.xml><?xml version="1.0" encoding="utf-8"?>
 <p:cmLst xmlns:a="http://schemas.openxmlformats.org/drawingml/2006/main" xmlns:r="http://schemas.openxmlformats.org/officeDocument/2006/relationships" xmlns:p="http://schemas.openxmlformats.org/presentationml/2006/main">
   <p:cm authorId="1" dt="2019-07-22T09:38:35.144" idx="12">
@@ -171,9 +188,9 @@
 <file path=ppt/comments/comment3.xml><?xml version="1.0" encoding="utf-8"?>
 <p:cmLst xmlns:a="http://schemas.openxmlformats.org/drawingml/2006/main" xmlns:r="http://schemas.openxmlformats.org/officeDocument/2006/relationships" xmlns:p="http://schemas.openxmlformats.org/presentationml/2006/main">
   <p:cm authorId="1" dt="2019-07-22T09:14:19.332" idx="4">
-    <p:pos x="4548" y="2596"/>
+    <p:pos x="4335" y="1901"/>
     <p:text>This is very good! I think this is the most important thing to explain as to why your project is important.</p:text>
-    <p:extLst>
+    <p:extLst mod="1">
       <p:ext uri="{C676402C-5697-4E1C-873F-D02D1690AC5C}">
         <p15:threadingInfo xmlns:p15="http://schemas.microsoft.com/office/powerpoint/2012/main" timeZoneBias="240"/>
       </p:ext>
@@ -194,9 +211,9 @@
     </p:extLst>
   </p:cm>
   <p:cm authorId="1" dt="2019-07-22T09:21:57.380" idx="7">
-    <p:pos x="6989" y="3697"/>
+    <p:pos x="6707" y="3284"/>
     <p:text>Perhaps to better engage the audience, you can instead compare HRI to using common computer or smartphone GUIs (for an application unrelated to robotics). You could show or draw two pictures based on publicly available examples: one of a bad GUI and one of a good GUI. Poorly designed interfaces are a very relateable problem for audience members of any background since everyone understands the frustration of suffering through a bad interface design on their computers or smartphones.</p:text>
-    <p:extLst>
+    <p:extLst mod="1">
       <p:ext uri="{C676402C-5697-4E1C-873F-D02D1690AC5C}">
         <p15:threadingInfo xmlns:p15="http://schemas.microsoft.com/office/powerpoint/2012/main" timeZoneBias="240"/>
       </p:ext>
@@ -225,9 +242,9 @@
 
 <file path=ppt/comments/comment5.xml><?xml version="1.0" encoding="utf-8"?>
 <p:cmLst xmlns:a="http://schemas.openxmlformats.org/drawingml/2006/main" xmlns:r="http://schemas.openxmlformats.org/officeDocument/2006/relationships" xmlns:p="http://schemas.openxmlformats.org/presentationml/2006/main">
-  <p:cm authorId="1" dt="2019-07-22T09:44:19.380" idx="16">
-    <p:pos x="3181" y="1745"/>
-    <p:text>Not sure what this terminology means.</p:text>
+  <p:cm authorId="1" dt="2019-07-22T09:45:12.557" idx="17">
+    <p:pos x="6766" y="1307"/>
+    <p:text>Is this your project objective? Was it to create an application to serve as a platform for banchmarking various HRI interfaces?</p:text>
     <p:extLst>
       <p:ext uri="{C676402C-5697-4E1C-873F-D02D1690AC5C}">
         <p15:threadingInfo xmlns:p15="http://schemas.microsoft.com/office/powerpoint/2012/main" timeZoneBias="240"/>
@@ -4387,13 +4404,19 @@
             <p:ph type="ctrTitle"/>
           </p:nvPr>
         </p:nvSpPr>
-        <p:spPr/>
+        <p:spPr>
+          <a:xfrm>
+            <a:off x="1368733" y="4979137"/>
+            <a:ext cx="8361229" cy="841848"/>
+          </a:xfrm>
+        </p:spPr>
         <p:txBody>
           <a:bodyPr/>
           <a:lstStyle/>
           <a:p>
-            <a:r>
-              <a:rPr lang="en-US" sz="4400" dirty="0"/>
+            <a:pPr algn="l"/>
+            <a:r>
+              <a:rPr lang="en-US" sz="2800" dirty="0"/>
               <a:t>Adaptive Metrics and Performance Analysis Tool for Human-Robot Interaction</a:t>
             </a:r>
           </a:p>
@@ -4415,24 +4438,68 @@
             <p:ph type="subTitle" idx="1"/>
           </p:nvPr>
         </p:nvSpPr>
-        <p:spPr/>
-        <p:txBody>
-          <a:bodyPr/>
-          <a:lstStyle/>
-          <a:p>
-            <a:r>
-              <a:rPr lang="en-US" dirty="0"/>
-              <a:t>Author: Esteban Segarra Martinez</a:t>
-            </a:r>
-          </a:p>
-          <a:p>
-            <a:r>
-              <a:rPr lang="en-US" dirty="0"/>
-              <a:t>Mentors: Dr. Jeremy Marvel</a:t>
-            </a:r>
-          </a:p>
-        </p:txBody>
-      </p:sp>
+        <p:spPr>
+          <a:xfrm>
+            <a:off x="950754" y="5820985"/>
+            <a:ext cx="6831673" cy="711417"/>
+          </a:xfrm>
+        </p:spPr>
+        <p:txBody>
+          <a:bodyPr>
+            <a:normAutofit/>
+          </a:bodyPr>
+          <a:lstStyle/>
+          <a:p>
+            <a:r>
+              <a:rPr lang="en-US" sz="1800" dirty="0"/>
+              <a:t>Author: Esteban Segarra Martinez  Mentor: Dr. Jeremy Marvel</a:t>
+            </a:r>
+          </a:p>
+        </p:txBody>
+      </p:sp>
+      <p:pic>
+        <p:nvPicPr>
+          <p:cNvPr id="7" name="Picture 6">
+            <a:extLst>
+              <a:ext uri="{FF2B5EF4-FFF2-40B4-BE49-F238E27FC236}">
+                <a16:creationId xmlns:a16="http://schemas.microsoft.com/office/drawing/2014/main" id="{3406FCF6-34F0-4091-AB77-96239AE49CBD}"/>
+              </a:ext>
+            </a:extLst>
+          </p:cNvPr>
+          <p:cNvPicPr>
+            <a:picLocks noChangeAspect="1"/>
+          </p:cNvPicPr>
+          <p:nvPr/>
+        </p:nvPicPr>
+        <p:blipFill rotWithShape="1">
+          <a:blip r:embed="rId2"/>
+          <a:srcRect r="18750" b="18832"/>
+          <a:stretch/>
+        </p:blipFill>
+        <p:spPr>
+          <a:xfrm>
+            <a:off x="2966758" y="1263895"/>
+            <a:ext cx="6258484" cy="3516828"/>
+          </a:xfrm>
+          <a:prstGeom prst="rect">
+            <a:avLst/>
+          </a:prstGeom>
+          <a:ln w="38100" cap="sq">
+            <a:solidFill>
+              <a:srgbClr val="000000"/>
+            </a:solidFill>
+            <a:prstDash val="solid"/>
+            <a:miter lim="800000"/>
+          </a:ln>
+          <a:effectLst>
+            <a:outerShdw blurRad="50800" dist="38100" dir="2700000" algn="tl" rotWithShape="0">
+              <a:srgbClr val="000000">
+                <a:alpha val="43000"/>
+              </a:srgbClr>
+            </a:outerShdw>
+          </a:effectLst>
+        </p:spPr>
+      </p:pic>
     </p:spTree>
     <p:extLst>
       <p:ext uri="{BB962C8B-B14F-4D97-AF65-F5344CB8AC3E}">
@@ -4491,7 +4558,54 @@
           <a:p>
             <a:r>
               <a:rPr lang="en-US" dirty="0"/>
-              <a:t>Examples of Live Use of System</a:t>
+              <a:t>Setup – Software Components</a:t>
+            </a:r>
+          </a:p>
+        </p:txBody>
+      </p:sp>
+      <p:sp>
+        <p:nvSpPr>
+          <p:cNvPr id="3" name="Content Placeholder 2">
+            <a:extLst>
+              <a:ext uri="{FF2B5EF4-FFF2-40B4-BE49-F238E27FC236}">
+                <a16:creationId xmlns:a16="http://schemas.microsoft.com/office/drawing/2014/main" id="{34F1593F-80A2-447E-955A-692ABDEF4646}"/>
+              </a:ext>
+            </a:extLst>
+          </p:cNvPr>
+          <p:cNvSpPr>
+            <a:spLocks noGrp="1"/>
+          </p:cNvSpPr>
+          <p:nvPr>
+            <p:ph idx="1"/>
+          </p:nvPr>
+        </p:nvSpPr>
+        <p:spPr>
+          <a:xfrm>
+            <a:off x="1371600" y="1753986"/>
+            <a:ext cx="9697428" cy="4322618"/>
+          </a:xfrm>
+        </p:spPr>
+        <p:txBody>
+          <a:bodyPr>
+            <a:normAutofit/>
+          </a:bodyPr>
+          <a:lstStyle/>
+          <a:p>
+            <a:r>
+              <a:rPr lang="en-US" dirty="0"/>
+              <a:t>The system is divided into several sub-components that allow the design to be portable and flexible for metric studies</a:t>
+            </a:r>
+          </a:p>
+          <a:p>
+            <a:r>
+              <a:rPr lang="en-US" dirty="0"/>
+              <a:t>Collaborative Robotics Programming Interface (CRPI) allows the program to send commands to the robot from the tablet to the robot</a:t>
+            </a:r>
+          </a:p>
+          <a:p>
+            <a:r>
+              <a:rPr lang="en-US" dirty="0"/>
+              <a:t>The motion capture system relays data from a separate server whereupon a separate Unity instance calculates the position of items and determines what robot is the user looking at</a:t>
             </a:r>
           </a:p>
         </p:txBody>
@@ -4561,111 +4675,10 @@
           </a:p>
         </p:txBody>
       </p:sp>
-      <p:pic>
-        <p:nvPicPr>
-          <p:cNvPr id="10" name="Content Placeholder 9">
-            <a:extLst>
-              <a:ext uri="{FF2B5EF4-FFF2-40B4-BE49-F238E27FC236}">
-                <a16:creationId xmlns:a16="http://schemas.microsoft.com/office/drawing/2014/main" id="{80DD151D-8F2E-42B6-8282-7B347E6C99B9}"/>
-              </a:ext>
-            </a:extLst>
-          </p:cNvPr>
-          <p:cNvPicPr>
-            <a:picLocks noGrp="1" noChangeAspect="1"/>
-          </p:cNvPicPr>
-          <p:nvPr>
-            <p:ph idx="1"/>
-          </p:nvPr>
-        </p:nvPicPr>
-        <p:blipFill>
-          <a:blip r:embed="rId2" cstate="print">
-            <a:extLst>
-              <a:ext uri="{28A0092B-C50C-407E-A947-70E740481C1C}">
-                <a14:useLocalDpi xmlns:a14="http://schemas.microsoft.com/office/drawing/2010/main"/>
-              </a:ext>
-            </a:extLst>
-          </a:blip>
-          <a:stretch>
-            <a:fillRect/>
-          </a:stretch>
-        </p:blipFill>
-        <p:spPr>
-          <a:xfrm>
-            <a:off x="1467828" y="2103256"/>
-            <a:ext cx="5723554" cy="3219499"/>
-          </a:xfrm>
-          <a:prstGeom prst="rect">
-            <a:avLst/>
-          </a:prstGeom>
-          <a:ln w="38100" cap="sq">
-            <a:solidFill>
-              <a:srgbClr val="000000"/>
-            </a:solidFill>
-            <a:prstDash val="solid"/>
-            <a:miter lim="800000"/>
-          </a:ln>
-          <a:effectLst>
-            <a:outerShdw blurRad="50800" dist="38100" dir="2700000" algn="tl" rotWithShape="0">
-              <a:srgbClr val="000000">
-                <a:alpha val="43000"/>
-              </a:srgbClr>
-            </a:outerShdw>
-          </a:effectLst>
-        </p:spPr>
-      </p:pic>
-      <p:pic>
-        <p:nvPicPr>
-          <p:cNvPr id="7" name="Picture 6">
-            <a:extLst>
-              <a:ext uri="{FF2B5EF4-FFF2-40B4-BE49-F238E27FC236}">
-                <a16:creationId xmlns:a16="http://schemas.microsoft.com/office/drawing/2014/main" id="{99D27BCB-C7A3-467E-90AF-68D3D7BA1779}"/>
-              </a:ext>
-            </a:extLst>
-          </p:cNvPr>
-          <p:cNvPicPr>
-            <a:picLocks noChangeAspect="1"/>
-          </p:cNvPicPr>
-          <p:nvPr/>
-        </p:nvPicPr>
-        <p:blipFill rotWithShape="1">
-          <a:blip r:embed="rId3" cstate="print">
-            <a:extLst>
-              <a:ext uri="{28A0092B-C50C-407E-A947-70E740481C1C}">
-                <a14:useLocalDpi xmlns:a14="http://schemas.microsoft.com/office/drawing/2010/main"/>
-              </a:ext>
-            </a:extLst>
-          </a:blip>
-          <a:srcRect/>
-          <a:stretch/>
-        </p:blipFill>
-        <p:spPr>
-          <a:xfrm>
-            <a:off x="7166994" y="1844359"/>
-            <a:ext cx="3902034" cy="3737295"/>
-          </a:xfrm>
-          <a:prstGeom prst="rect">
-            <a:avLst/>
-          </a:prstGeom>
-          <a:ln w="38100" cap="sq">
-            <a:solidFill>
-              <a:srgbClr val="000000"/>
-            </a:solidFill>
-            <a:prstDash val="solid"/>
-            <a:miter lim="800000"/>
-          </a:ln>
-          <a:effectLst>
-            <a:outerShdw blurRad="50800" dist="38100" dir="2700000" algn="tl" rotWithShape="0">
-              <a:srgbClr val="000000">
-                <a:alpha val="43000"/>
-              </a:srgbClr>
-            </a:outerShdw>
-          </a:effectLst>
-        </p:spPr>
-      </p:pic>
     </p:spTree>
     <p:extLst>
       <p:ext uri="{BB962C8B-B14F-4D97-AF65-F5344CB8AC3E}">
-        <p14:creationId xmlns:p14="http://schemas.microsoft.com/office/powerpoint/2010/main" val="4037201020"/>
+        <p14:creationId xmlns:p14="http://schemas.microsoft.com/office/powerpoint/2010/main" val="260835029"/>
       </p:ext>
     </p:extLst>
   </p:cSld>
@@ -4811,7 +4824,7 @@
           <a:bodyPr/>
           <a:lstStyle/>
           <a:p>
-            <a:endParaRPr lang="en-US"/>
+            <a:endParaRPr lang="en-US" dirty="0"/>
           </a:p>
         </p:txBody>
       </p:sp>
@@ -4903,8 +4916,16 @@
           </a:xfrm>
         </p:spPr>
         <p:txBody>
-          <a:bodyPr/>
-          <a:lstStyle/>
+          <a:bodyPr>
+            <a:normAutofit lnSpcReduction="10000"/>
+          </a:bodyPr>
+          <a:lstStyle/>
+          <a:p>
+            <a:endParaRPr lang="en-US" dirty="0"/>
+          </a:p>
+          <a:p>
+            <a:endParaRPr lang="en-US" dirty="0"/>
+          </a:p>
           <a:p>
             <a:r>
               <a:rPr lang="en-US" dirty="0"/>
@@ -5142,7 +5163,7 @@
           <a:p>
             <a:r>
               <a:rPr lang="en-US" dirty="0"/>
-              <a:t>NIST will be conducting live trails to experiment on currently developed technology such as this and other tools </a:t>
+              <a:t>NIST will be conducting live trials to experiment on currently developed technology such as this and other tools </a:t>
             </a:r>
           </a:p>
         </p:txBody>
@@ -5498,6 +5519,593 @@
 </p:sld>
 </file>
 
+<file path=ppt/slides/slide15.xml><?xml version="1.0" encoding="utf-8"?>
+<p:sld xmlns:a="http://schemas.openxmlformats.org/drawingml/2006/main" xmlns:r="http://schemas.openxmlformats.org/officeDocument/2006/relationships" xmlns:p="http://schemas.openxmlformats.org/presentationml/2006/main">
+  <p:cSld>
+    <p:spTree>
+      <p:nvGrpSpPr>
+        <p:cNvPr id="1" name=""/>
+        <p:cNvGrpSpPr/>
+        <p:nvPr/>
+      </p:nvGrpSpPr>
+      <p:grpSpPr>
+        <a:xfrm>
+          <a:off x="0" y="0"/>
+          <a:ext cx="0" cy="0"/>
+          <a:chOff x="0" y="0"/>
+          <a:chExt cx="0" cy="0"/>
+        </a:xfrm>
+      </p:grpSpPr>
+      <p:sp>
+        <p:nvSpPr>
+          <p:cNvPr id="2" name="Title 1">
+            <a:extLst>
+              <a:ext uri="{FF2B5EF4-FFF2-40B4-BE49-F238E27FC236}">
+                <a16:creationId xmlns:a16="http://schemas.microsoft.com/office/drawing/2014/main" id="{CAC6559E-B46B-4595-B4DE-7466A03C2CFF}"/>
+              </a:ext>
+            </a:extLst>
+          </p:cNvPr>
+          <p:cNvSpPr>
+            <a:spLocks noGrp="1"/>
+          </p:cNvSpPr>
+          <p:nvPr>
+            <p:ph type="title"/>
+          </p:nvPr>
+        </p:nvSpPr>
+        <p:spPr>
+          <a:xfrm>
+            <a:off x="1371600" y="685800"/>
+            <a:ext cx="9601200" cy="1068186"/>
+          </a:xfrm>
+        </p:spPr>
+        <p:txBody>
+          <a:bodyPr/>
+          <a:lstStyle/>
+          <a:p>
+            <a:r>
+              <a:rPr lang="en-US" dirty="0"/>
+              <a:t>NIST Disclaimer</a:t>
+            </a:r>
+          </a:p>
+        </p:txBody>
+      </p:sp>
+      <p:sp>
+        <p:nvSpPr>
+          <p:cNvPr id="4" name="TextBox 3">
+            <a:extLst>
+              <a:ext uri="{FF2B5EF4-FFF2-40B4-BE49-F238E27FC236}">
+                <a16:creationId xmlns:a16="http://schemas.microsoft.com/office/drawing/2014/main" id="{A5A87B21-6220-4F8A-896C-4C34586F26B2}"/>
+              </a:ext>
+            </a:extLst>
+          </p:cNvPr>
+          <p:cNvSpPr txBox="1"/>
+          <p:nvPr/>
+        </p:nvSpPr>
+        <p:spPr>
+          <a:xfrm>
+            <a:off x="3823855" y="6488668"/>
+            <a:ext cx="4696690" cy="276999"/>
+          </a:xfrm>
+          <a:prstGeom prst="rect">
+            <a:avLst/>
+          </a:prstGeom>
+          <a:noFill/>
+        </p:spPr>
+        <p:txBody>
+          <a:bodyPr wrap="square" rtlCol="0">
+            <a:spAutoFit/>
+          </a:bodyPr>
+          <a:lstStyle/>
+          <a:p>
+            <a:pPr algn="ctr"/>
+            <a:r>
+              <a:rPr lang="en-US" sz="1200" dirty="0"/>
+              <a:t>NIST Engineering Laboratory</a:t>
+            </a:r>
+          </a:p>
+        </p:txBody>
+      </p:sp>
+      <p:sp>
+        <p:nvSpPr>
+          <p:cNvPr id="5" name="Slide Number Placeholder 4">
+            <a:extLst>
+              <a:ext uri="{FF2B5EF4-FFF2-40B4-BE49-F238E27FC236}">
+                <a16:creationId xmlns:a16="http://schemas.microsoft.com/office/drawing/2014/main" id="{FCA2E486-94D2-47C4-912F-56AE8D01C739}"/>
+              </a:ext>
+            </a:extLst>
+          </p:cNvPr>
+          <p:cNvSpPr>
+            <a:spLocks noGrp="1"/>
+          </p:cNvSpPr>
+          <p:nvPr>
+            <p:ph type="sldNum" sz="quarter" idx="12"/>
+          </p:nvPr>
+        </p:nvSpPr>
+        <p:spPr/>
+        <p:txBody>
+          <a:bodyPr/>
+          <a:lstStyle/>
+          <a:p>
+            <a:fld id="{69E57DC2-970A-4B3E-BB1C-7A09969E49DF}" type="slidenum">
+              <a:rPr lang="en-US" smtClean="0"/>
+              <a:t>15</a:t>
+            </a:fld>
+            <a:endParaRPr lang="en-US" dirty="0"/>
+          </a:p>
+        </p:txBody>
+      </p:sp>
+      <p:sp>
+        <p:nvSpPr>
+          <p:cNvPr id="6" name="Content Placeholder 5">
+            <a:extLst>
+              <a:ext uri="{FF2B5EF4-FFF2-40B4-BE49-F238E27FC236}">
+                <a16:creationId xmlns:a16="http://schemas.microsoft.com/office/drawing/2014/main" id="{605C6AF4-F1C2-4245-A4B7-DDEFD44F5D73}"/>
+              </a:ext>
+            </a:extLst>
+          </p:cNvPr>
+          <p:cNvSpPr>
+            <a:spLocks noGrp="1"/>
+          </p:cNvSpPr>
+          <p:nvPr>
+            <p:ph idx="1"/>
+          </p:nvPr>
+        </p:nvSpPr>
+        <p:spPr/>
+        <p:txBody>
+          <a:bodyPr/>
+          <a:lstStyle/>
+          <a:p>
+            <a:r>
+              <a:rPr lang="en-US" dirty="0"/>
+              <a:t>Certain commercial equipment, instruments, or materials are identified in this paper to foster understanding. Such identification does not imply recommendation or endorsement by the National Institute of Standards and Technology, nor does it imply that the materials or equipment identified are necessarily the best available for the purpose.</a:t>
+            </a:r>
+          </a:p>
+        </p:txBody>
+      </p:sp>
+    </p:spTree>
+    <p:extLst>
+      <p:ext uri="{BB962C8B-B14F-4D97-AF65-F5344CB8AC3E}">
+        <p14:creationId xmlns:p14="http://schemas.microsoft.com/office/powerpoint/2010/main" val="2233149933"/>
+      </p:ext>
+    </p:extLst>
+  </p:cSld>
+  <p:clrMapOvr>
+    <a:masterClrMapping/>
+  </p:clrMapOvr>
+</p:sld>
+</file>
+
+<file path=ppt/slides/slide16.xml><?xml version="1.0" encoding="utf-8"?>
+<p:sld xmlns:a="http://schemas.openxmlformats.org/drawingml/2006/main" xmlns:r="http://schemas.openxmlformats.org/officeDocument/2006/relationships" xmlns:p="http://schemas.openxmlformats.org/presentationml/2006/main">
+  <p:cSld>
+    <p:spTree>
+      <p:nvGrpSpPr>
+        <p:cNvPr id="1" name=""/>
+        <p:cNvGrpSpPr/>
+        <p:nvPr/>
+      </p:nvGrpSpPr>
+      <p:grpSpPr>
+        <a:xfrm>
+          <a:off x="0" y="0"/>
+          <a:ext cx="0" cy="0"/>
+          <a:chOff x="0" y="0"/>
+          <a:chExt cx="0" cy="0"/>
+        </a:xfrm>
+      </p:grpSpPr>
+      <p:sp>
+        <p:nvSpPr>
+          <p:cNvPr id="2" name="Title 1">
+            <a:extLst>
+              <a:ext uri="{FF2B5EF4-FFF2-40B4-BE49-F238E27FC236}">
+                <a16:creationId xmlns:a16="http://schemas.microsoft.com/office/drawing/2014/main" id="{CAC6559E-B46B-4595-B4DE-7466A03C2CFF}"/>
+              </a:ext>
+            </a:extLst>
+          </p:cNvPr>
+          <p:cNvSpPr>
+            <a:spLocks noGrp="1"/>
+          </p:cNvSpPr>
+          <p:nvPr>
+            <p:ph type="title"/>
+          </p:nvPr>
+        </p:nvSpPr>
+        <p:spPr>
+          <a:xfrm>
+            <a:off x="1371600" y="685800"/>
+            <a:ext cx="9601200" cy="1068186"/>
+          </a:xfrm>
+        </p:spPr>
+        <p:txBody>
+          <a:bodyPr/>
+          <a:lstStyle/>
+          <a:p>
+            <a:r>
+              <a:rPr lang="en-US" dirty="0"/>
+              <a:t>Examples of Live Use of System</a:t>
+            </a:r>
+          </a:p>
+        </p:txBody>
+      </p:sp>
+      <p:sp>
+        <p:nvSpPr>
+          <p:cNvPr id="4" name="TextBox 3">
+            <a:extLst>
+              <a:ext uri="{FF2B5EF4-FFF2-40B4-BE49-F238E27FC236}">
+                <a16:creationId xmlns:a16="http://schemas.microsoft.com/office/drawing/2014/main" id="{A5A87B21-6220-4F8A-896C-4C34586F26B2}"/>
+              </a:ext>
+            </a:extLst>
+          </p:cNvPr>
+          <p:cNvSpPr txBox="1"/>
+          <p:nvPr/>
+        </p:nvSpPr>
+        <p:spPr>
+          <a:xfrm>
+            <a:off x="3823855" y="6488668"/>
+            <a:ext cx="4696690" cy="276999"/>
+          </a:xfrm>
+          <a:prstGeom prst="rect">
+            <a:avLst/>
+          </a:prstGeom>
+          <a:noFill/>
+        </p:spPr>
+        <p:txBody>
+          <a:bodyPr wrap="square" rtlCol="0">
+            <a:spAutoFit/>
+          </a:bodyPr>
+          <a:lstStyle/>
+          <a:p>
+            <a:pPr algn="ctr"/>
+            <a:r>
+              <a:rPr lang="en-US" sz="1200" dirty="0"/>
+              <a:t>NIST Engineering Laboratory</a:t>
+            </a:r>
+          </a:p>
+        </p:txBody>
+      </p:sp>
+      <p:sp>
+        <p:nvSpPr>
+          <p:cNvPr id="5" name="Slide Number Placeholder 4">
+            <a:extLst>
+              <a:ext uri="{FF2B5EF4-FFF2-40B4-BE49-F238E27FC236}">
+                <a16:creationId xmlns:a16="http://schemas.microsoft.com/office/drawing/2014/main" id="{FCA2E486-94D2-47C4-912F-56AE8D01C739}"/>
+              </a:ext>
+            </a:extLst>
+          </p:cNvPr>
+          <p:cNvSpPr>
+            <a:spLocks noGrp="1"/>
+          </p:cNvSpPr>
+          <p:nvPr>
+            <p:ph type="sldNum" sz="quarter" idx="12"/>
+          </p:nvPr>
+        </p:nvSpPr>
+        <p:spPr/>
+        <p:txBody>
+          <a:bodyPr/>
+          <a:lstStyle/>
+          <a:p>
+            <a:fld id="{69E57DC2-970A-4B3E-BB1C-7A09969E49DF}" type="slidenum">
+              <a:rPr lang="en-US" smtClean="0"/>
+              <a:t>16</a:t>
+            </a:fld>
+            <a:endParaRPr lang="en-US" dirty="0"/>
+          </a:p>
+        </p:txBody>
+      </p:sp>
+      <p:pic>
+        <p:nvPicPr>
+          <p:cNvPr id="10" name="Content Placeholder 9">
+            <a:extLst>
+              <a:ext uri="{FF2B5EF4-FFF2-40B4-BE49-F238E27FC236}">
+                <a16:creationId xmlns:a16="http://schemas.microsoft.com/office/drawing/2014/main" id="{80DD151D-8F2E-42B6-8282-7B347E6C99B9}"/>
+              </a:ext>
+            </a:extLst>
+          </p:cNvPr>
+          <p:cNvPicPr>
+            <a:picLocks noGrp="1" noChangeAspect="1"/>
+          </p:cNvPicPr>
+          <p:nvPr>
+            <p:ph idx="1"/>
+          </p:nvPr>
+        </p:nvPicPr>
+        <p:blipFill>
+          <a:blip r:embed="rId2" cstate="print">
+            <a:extLst>
+              <a:ext uri="{28A0092B-C50C-407E-A947-70E740481C1C}">
+                <a14:useLocalDpi xmlns:a14="http://schemas.microsoft.com/office/drawing/2010/main"/>
+              </a:ext>
+            </a:extLst>
+          </a:blip>
+          <a:stretch>
+            <a:fillRect/>
+          </a:stretch>
+        </p:blipFill>
+        <p:spPr>
+          <a:xfrm>
+            <a:off x="1467828" y="2103256"/>
+            <a:ext cx="5723554" cy="3219499"/>
+          </a:xfrm>
+          <a:prstGeom prst="rect">
+            <a:avLst/>
+          </a:prstGeom>
+          <a:ln w="38100" cap="sq">
+            <a:solidFill>
+              <a:srgbClr val="000000"/>
+            </a:solidFill>
+            <a:prstDash val="solid"/>
+            <a:miter lim="800000"/>
+          </a:ln>
+          <a:effectLst>
+            <a:outerShdw blurRad="50800" dist="38100" dir="2700000" algn="tl" rotWithShape="0">
+              <a:srgbClr val="000000">
+                <a:alpha val="43000"/>
+              </a:srgbClr>
+            </a:outerShdw>
+          </a:effectLst>
+        </p:spPr>
+      </p:pic>
+      <p:pic>
+        <p:nvPicPr>
+          <p:cNvPr id="7" name="Picture 6">
+            <a:extLst>
+              <a:ext uri="{FF2B5EF4-FFF2-40B4-BE49-F238E27FC236}">
+                <a16:creationId xmlns:a16="http://schemas.microsoft.com/office/drawing/2014/main" id="{99D27BCB-C7A3-467E-90AF-68D3D7BA1779}"/>
+              </a:ext>
+            </a:extLst>
+          </p:cNvPr>
+          <p:cNvPicPr>
+            <a:picLocks noChangeAspect="1"/>
+          </p:cNvPicPr>
+          <p:nvPr/>
+        </p:nvPicPr>
+        <p:blipFill rotWithShape="1">
+          <a:blip r:embed="rId3" cstate="print">
+            <a:extLst>
+              <a:ext uri="{28A0092B-C50C-407E-A947-70E740481C1C}">
+                <a14:useLocalDpi xmlns:a14="http://schemas.microsoft.com/office/drawing/2010/main"/>
+              </a:ext>
+            </a:extLst>
+          </a:blip>
+          <a:srcRect/>
+          <a:stretch/>
+        </p:blipFill>
+        <p:spPr>
+          <a:xfrm>
+            <a:off x="7166994" y="1844359"/>
+            <a:ext cx="3902034" cy="3737295"/>
+          </a:xfrm>
+          <a:prstGeom prst="rect">
+            <a:avLst/>
+          </a:prstGeom>
+          <a:ln w="38100" cap="sq">
+            <a:solidFill>
+              <a:srgbClr val="000000"/>
+            </a:solidFill>
+            <a:prstDash val="solid"/>
+            <a:miter lim="800000"/>
+          </a:ln>
+          <a:effectLst>
+            <a:outerShdw blurRad="50800" dist="38100" dir="2700000" algn="tl" rotWithShape="0">
+              <a:srgbClr val="000000">
+                <a:alpha val="43000"/>
+              </a:srgbClr>
+            </a:outerShdw>
+          </a:effectLst>
+        </p:spPr>
+      </p:pic>
+    </p:spTree>
+    <p:extLst>
+      <p:ext uri="{BB962C8B-B14F-4D97-AF65-F5344CB8AC3E}">
+        <p14:creationId xmlns:p14="http://schemas.microsoft.com/office/powerpoint/2010/main" val="4037201020"/>
+      </p:ext>
+    </p:extLst>
+  </p:cSld>
+  <p:clrMapOvr>
+    <a:masterClrMapping/>
+  </p:clrMapOvr>
+</p:sld>
+</file>
+
+<file path=ppt/slides/slide17.xml><?xml version="1.0" encoding="utf-8"?>
+<p:sld xmlns:a="http://schemas.openxmlformats.org/drawingml/2006/main" xmlns:r="http://schemas.openxmlformats.org/officeDocument/2006/relationships" xmlns:p="http://schemas.openxmlformats.org/presentationml/2006/main">
+  <p:cSld>
+    <p:spTree>
+      <p:nvGrpSpPr>
+        <p:cNvPr id="1" name=""/>
+        <p:cNvGrpSpPr/>
+        <p:nvPr/>
+      </p:nvGrpSpPr>
+      <p:grpSpPr>
+        <a:xfrm>
+          <a:off x="0" y="0"/>
+          <a:ext cx="0" cy="0"/>
+          <a:chOff x="0" y="0"/>
+          <a:chExt cx="0" cy="0"/>
+        </a:xfrm>
+      </p:grpSpPr>
+      <p:sp>
+        <p:nvSpPr>
+          <p:cNvPr id="2" name="Title 1">
+            <a:extLst>
+              <a:ext uri="{FF2B5EF4-FFF2-40B4-BE49-F238E27FC236}">
+                <a16:creationId xmlns:a16="http://schemas.microsoft.com/office/drawing/2014/main" id="{CAC6559E-B46B-4595-B4DE-7466A03C2CFF}"/>
+              </a:ext>
+            </a:extLst>
+          </p:cNvPr>
+          <p:cNvSpPr>
+            <a:spLocks noGrp="1"/>
+          </p:cNvSpPr>
+          <p:nvPr>
+            <p:ph type="title"/>
+          </p:nvPr>
+        </p:nvSpPr>
+        <p:spPr>
+          <a:xfrm>
+            <a:off x="1371600" y="685800"/>
+            <a:ext cx="9601200" cy="1068186"/>
+          </a:xfrm>
+        </p:spPr>
+        <p:txBody>
+          <a:bodyPr/>
+          <a:lstStyle/>
+          <a:p>
+            <a:r>
+              <a:rPr lang="en-US" dirty="0"/>
+              <a:t>Methodology - Continued</a:t>
+            </a:r>
+          </a:p>
+        </p:txBody>
+      </p:sp>
+      <p:sp>
+        <p:nvSpPr>
+          <p:cNvPr id="3" name="Content Placeholder 2">
+            <a:extLst>
+              <a:ext uri="{FF2B5EF4-FFF2-40B4-BE49-F238E27FC236}">
+                <a16:creationId xmlns:a16="http://schemas.microsoft.com/office/drawing/2014/main" id="{34F1593F-80A2-447E-955A-692ABDEF4646}"/>
+              </a:ext>
+            </a:extLst>
+          </p:cNvPr>
+          <p:cNvSpPr>
+            <a:spLocks noGrp="1"/>
+          </p:cNvSpPr>
+          <p:nvPr>
+            <p:ph idx="1"/>
+          </p:nvPr>
+        </p:nvSpPr>
+        <p:spPr>
+          <a:xfrm>
+            <a:off x="1371600" y="1753986"/>
+            <a:ext cx="8952807" cy="4113414"/>
+          </a:xfrm>
+        </p:spPr>
+        <p:txBody>
+          <a:bodyPr/>
+          <a:lstStyle/>
+          <a:p>
+            <a:r>
+              <a:rPr lang="en-US" dirty="0"/>
+              <a:t>There are various contingencies to a good user interface for HRI or HMI; these include but are not limited to the following: </a:t>
+            </a:r>
+          </a:p>
+          <a:p>
+            <a:pPr lvl="1"/>
+            <a:r>
+              <a:rPr lang="en-US" dirty="0"/>
+              <a:t>Performance</a:t>
+            </a:r>
+          </a:p>
+          <a:p>
+            <a:pPr lvl="1"/>
+            <a:r>
+              <a:rPr lang="en-US" dirty="0"/>
+              <a:t>Utility of mixed initiative </a:t>
+            </a:r>
+          </a:p>
+          <a:p>
+            <a:pPr lvl="1"/>
+            <a:r>
+              <a:rPr lang="en-US" dirty="0"/>
+              <a:t>Situational Awareness</a:t>
+            </a:r>
+          </a:p>
+          <a:p>
+            <a:pPr lvl="1"/>
+            <a:r>
+              <a:rPr lang="en-US" dirty="0"/>
+              <a:t>Awareness of operator</a:t>
+            </a:r>
+          </a:p>
+          <a:p>
+            <a:pPr lvl="1"/>
+            <a:r>
+              <a:rPr lang="en-US" dirty="0"/>
+              <a:t>Safety</a:t>
+            </a:r>
+          </a:p>
+          <a:p>
+            <a:r>
+              <a:rPr lang="en-US" dirty="0"/>
+              <a:t>These are not all possible categories to quantify HRI or HMI performance but some of the important aspects</a:t>
+            </a:r>
+          </a:p>
+        </p:txBody>
+      </p:sp>
+      <p:sp>
+        <p:nvSpPr>
+          <p:cNvPr id="4" name="TextBox 3">
+            <a:extLst>
+              <a:ext uri="{FF2B5EF4-FFF2-40B4-BE49-F238E27FC236}">
+                <a16:creationId xmlns:a16="http://schemas.microsoft.com/office/drawing/2014/main" id="{A5A87B21-6220-4F8A-896C-4C34586F26B2}"/>
+              </a:ext>
+            </a:extLst>
+          </p:cNvPr>
+          <p:cNvSpPr txBox="1"/>
+          <p:nvPr/>
+        </p:nvSpPr>
+        <p:spPr>
+          <a:xfrm>
+            <a:off x="3823855" y="6488668"/>
+            <a:ext cx="4696690" cy="276999"/>
+          </a:xfrm>
+          <a:prstGeom prst="rect">
+            <a:avLst/>
+          </a:prstGeom>
+          <a:noFill/>
+        </p:spPr>
+        <p:txBody>
+          <a:bodyPr wrap="square" rtlCol="0">
+            <a:spAutoFit/>
+          </a:bodyPr>
+          <a:lstStyle/>
+          <a:p>
+            <a:pPr algn="ctr"/>
+            <a:r>
+              <a:rPr lang="en-US" sz="1200" dirty="0"/>
+              <a:t>NIST Engineering Laboratory</a:t>
+            </a:r>
+          </a:p>
+        </p:txBody>
+      </p:sp>
+      <p:sp>
+        <p:nvSpPr>
+          <p:cNvPr id="5" name="Slide Number Placeholder 4">
+            <a:extLst>
+              <a:ext uri="{FF2B5EF4-FFF2-40B4-BE49-F238E27FC236}">
+                <a16:creationId xmlns:a16="http://schemas.microsoft.com/office/drawing/2014/main" id="{FCA2E486-94D2-47C4-912F-56AE8D01C739}"/>
+              </a:ext>
+            </a:extLst>
+          </p:cNvPr>
+          <p:cNvSpPr>
+            <a:spLocks noGrp="1"/>
+          </p:cNvSpPr>
+          <p:nvPr>
+            <p:ph type="sldNum" sz="quarter" idx="12"/>
+          </p:nvPr>
+        </p:nvSpPr>
+        <p:spPr/>
+        <p:txBody>
+          <a:bodyPr/>
+          <a:lstStyle/>
+          <a:p>
+            <a:fld id="{69E57DC2-970A-4B3E-BB1C-7A09969E49DF}" type="slidenum">
+              <a:rPr lang="en-US" smtClean="0"/>
+              <a:t>17</a:t>
+            </a:fld>
+            <a:endParaRPr lang="en-US" dirty="0"/>
+          </a:p>
+        </p:txBody>
+      </p:sp>
+    </p:spTree>
+    <p:extLst>
+      <p:ext uri="{BB962C8B-B14F-4D97-AF65-F5344CB8AC3E}">
+        <p14:creationId xmlns:p14="http://schemas.microsoft.com/office/powerpoint/2010/main" val="1563126932"/>
+      </p:ext>
+    </p:extLst>
+  </p:cSld>
+  <p:clrMapOvr>
+    <a:masterClrMapping/>
+  </p:clrMapOvr>
+</p:sld>
+</file>
+
 <file path=ppt/slides/slide2.xml><?xml version="1.0" encoding="utf-8"?>
 <p:sld xmlns:a="http://schemas.openxmlformats.org/drawingml/2006/main" xmlns:r="http://schemas.openxmlformats.org/officeDocument/2006/relationships" xmlns:p="http://schemas.openxmlformats.org/presentationml/2006/main">
   <p:cSld>
@@ -5759,13 +6367,13 @@
           <a:p>
             <a:r>
               <a:rPr lang="en-US" sz="2400" dirty="0"/>
+              <a:t>HRI is important to cut down on training costs, improve factory floor remodeling times, and reduce the amount of practice time while utilizing a robot’s HMI</a:t>
+            </a:r>
+          </a:p>
+          <a:p>
+            <a:r>
+              <a:rPr lang="en-US" sz="2400" dirty="0"/>
               <a:t>HMI is used by an operator for control and feedback on a robot system and varies widely in operation and appearance</a:t>
-            </a:r>
-          </a:p>
-          <a:p>
-            <a:r>
-              <a:rPr lang="en-US" sz="2400" dirty="0"/>
-              <a:t>HRI is important to cut down on training costs, improve factory floor remodeling times, and reduce the amount of practice time while utilizing a robot’s HMI</a:t>
             </a:r>
           </a:p>
         </p:txBody>
@@ -5863,8 +6471,8 @@
         </p:blipFill>
         <p:spPr>
           <a:xfrm>
-            <a:off x="8382000" y="2375254"/>
-            <a:ext cx="2590800" cy="1943100"/>
+            <a:off x="7687138" y="2089801"/>
+            <a:ext cx="3571196" cy="2678397"/>
           </a:xfrm>
           <a:prstGeom prst="rect">
             <a:avLst/>
@@ -5899,7 +6507,7 @@
         </p:nvSpPr>
         <p:spPr>
           <a:xfrm>
-            <a:off x="8324188" y="4480452"/>
+            <a:off x="8362604" y="4960625"/>
             <a:ext cx="2706424" cy="584775"/>
           </a:xfrm>
           <a:prstGeom prst="rect">
@@ -6001,8 +6609,8 @@
         </p:nvSpPr>
         <p:spPr>
           <a:xfrm>
-            <a:off x="1371600" y="1753986"/>
-            <a:ext cx="6461983" cy="4113414"/>
+            <a:off x="1371600" y="1582177"/>
+            <a:ext cx="4724400" cy="4075010"/>
           </a:xfrm>
         </p:spPr>
         <p:txBody>
@@ -6013,19 +6621,19 @@
           <a:p>
             <a:r>
               <a:rPr lang="en-US" dirty="0"/>
-              <a:t>To improve the readability of HMI, they have to be designed with coherent design, allow the user to use the device in a familiar manner to other similar devices</a:t>
+              <a:t>A tool capable of quantifying the effectivity and performance of a HRI UI system as used by an operator with an industrial robot</a:t>
             </a:r>
           </a:p>
           <a:p>
             <a:r>
               <a:rPr lang="en-US" dirty="0"/>
-              <a:t>If the interface is too busy, too overwhelming, or too chaotic, the user will lose interest, be confused by the design and not be able to use the robot effectively</a:t>
+              <a:t>Demonstrate the differences between a good UI and a poorly designed one and determining best practices</a:t>
             </a:r>
           </a:p>
           <a:p>
             <a:r>
               <a:rPr lang="en-US" dirty="0"/>
-              <a:t>Effective design includes a balanced amount of information; allowing the operator to control the robot and decide the course of action depending on the situational awareness of the problem</a:t>
+              <a:t>Through application of a real industrial setting, showcase the difference in performance from using a good UI in contrast to current industry standards</a:t>
             </a:r>
           </a:p>
         </p:txBody>
@@ -6095,12 +6703,48 @@
           </a:p>
         </p:txBody>
       </p:sp>
+      <p:sp>
+        <p:nvSpPr>
+          <p:cNvPr id="7" name="TextBox 6">
+            <a:extLst>
+              <a:ext uri="{FF2B5EF4-FFF2-40B4-BE49-F238E27FC236}">
+                <a16:creationId xmlns:a16="http://schemas.microsoft.com/office/drawing/2014/main" id="{28A4AB76-DEB2-459E-9D2A-10445D4052E6}"/>
+              </a:ext>
+            </a:extLst>
+          </p:cNvPr>
+          <p:cNvSpPr txBox="1"/>
+          <p:nvPr/>
+        </p:nvSpPr>
+        <p:spPr>
+          <a:xfrm>
+            <a:off x="7519048" y="5252574"/>
+            <a:ext cx="3050771" cy="338554"/>
+          </a:xfrm>
+          <a:prstGeom prst="rect">
+            <a:avLst/>
+          </a:prstGeom>
+          <a:noFill/>
+        </p:spPr>
+        <p:txBody>
+          <a:bodyPr wrap="square" rtlCol="0">
+            <a:spAutoFit/>
+          </a:bodyPr>
+          <a:lstStyle/>
+          <a:p>
+            <a:pPr algn="ctr"/>
+            <a:r>
+              <a:rPr lang="en-US" sz="1600" dirty="0"/>
+              <a:t>Figure 2 – Convoluted UI design</a:t>
+            </a:r>
+          </a:p>
+        </p:txBody>
+      </p:sp>
       <p:pic>
         <p:nvPicPr>
-          <p:cNvPr id="6" name="Picture 5">
-            <a:extLst>
-              <a:ext uri="{FF2B5EF4-FFF2-40B4-BE49-F238E27FC236}">
-                <a16:creationId xmlns:a16="http://schemas.microsoft.com/office/drawing/2014/main" id="{513AEB2D-AD4A-4C1C-A4D3-03AB15EA1328}"/>
+          <p:cNvPr id="10" name="Picture 9">
+            <a:extLst>
+              <a:ext uri="{FF2B5EF4-FFF2-40B4-BE49-F238E27FC236}">
+                <a16:creationId xmlns:a16="http://schemas.microsoft.com/office/drawing/2014/main" id="{7A46CFC6-B222-4365-980D-D602D62544A6}"/>
               </a:ext>
             </a:extLst>
           </p:cNvPr>
@@ -6109,58 +6753,35 @@
           </p:cNvPicPr>
           <p:nvPr/>
         </p:nvPicPr>
-        <p:blipFill>
+        <p:blipFill rotWithShape="1">
           <a:blip r:embed="rId2"/>
-          <a:stretch>
-            <a:fillRect/>
-          </a:stretch>
+          <a:srcRect l="147" r="33175"/>
+          <a:stretch/>
         </p:blipFill>
         <p:spPr>
           <a:xfrm>
-            <a:off x="8249167" y="1253334"/>
-            <a:ext cx="2633501" cy="4191121"/>
+            <a:off x="6363390" y="1219893"/>
+            <a:ext cx="5362086" cy="3983185"/>
           </a:xfrm>
           <a:prstGeom prst="rect">
             <a:avLst/>
           </a:prstGeom>
+          <a:ln w="38100" cap="sq">
+            <a:solidFill>
+              <a:srgbClr val="000000"/>
+            </a:solidFill>
+            <a:prstDash val="solid"/>
+            <a:miter lim="800000"/>
+          </a:ln>
+          <a:effectLst>
+            <a:outerShdw blurRad="50800" dist="38100" dir="2700000" algn="tl" rotWithShape="0">
+              <a:srgbClr val="000000">
+                <a:alpha val="43000"/>
+              </a:srgbClr>
+            </a:outerShdw>
+          </a:effectLst>
         </p:spPr>
       </p:pic>
-      <p:sp>
-        <p:nvSpPr>
-          <p:cNvPr id="7" name="TextBox 6">
-            <a:extLst>
-              <a:ext uri="{FF2B5EF4-FFF2-40B4-BE49-F238E27FC236}">
-                <a16:creationId xmlns:a16="http://schemas.microsoft.com/office/drawing/2014/main" id="{28A4AB76-DEB2-459E-9D2A-10445D4052E6}"/>
-              </a:ext>
-            </a:extLst>
-          </p:cNvPr>
-          <p:cNvSpPr txBox="1"/>
-          <p:nvPr/>
-        </p:nvSpPr>
-        <p:spPr>
-          <a:xfrm>
-            <a:off x="8162806" y="5833646"/>
-            <a:ext cx="3050771" cy="338554"/>
-          </a:xfrm>
-          <a:prstGeom prst="rect">
-            <a:avLst/>
-          </a:prstGeom>
-          <a:noFill/>
-        </p:spPr>
-        <p:txBody>
-          <a:bodyPr wrap="square" rtlCol="0">
-            <a:spAutoFit/>
-          </a:bodyPr>
-          <a:lstStyle/>
-          <a:p>
-            <a:pPr algn="ctr"/>
-            <a:r>
-              <a:rPr lang="en-US" sz="1600" dirty="0"/>
-              <a:t>Figure 2 – Convoluted UI design</a:t>
-            </a:r>
-          </a:p>
-        </p:txBody>
-      </p:sp>
     </p:spTree>
     <p:extLst>
       <p:ext uri="{BB962C8B-B14F-4D97-AF65-F5344CB8AC3E}">
@@ -6193,115 +6814,6 @@
       </p:grpSpPr>
       <p:sp>
         <p:nvSpPr>
-          <p:cNvPr id="2" name="Title 1">
-            <a:extLst>
-              <a:ext uri="{FF2B5EF4-FFF2-40B4-BE49-F238E27FC236}">
-                <a16:creationId xmlns:a16="http://schemas.microsoft.com/office/drawing/2014/main" id="{CAC6559E-B46B-4595-B4DE-7466A03C2CFF}"/>
-              </a:ext>
-            </a:extLst>
-          </p:cNvPr>
-          <p:cNvSpPr>
-            <a:spLocks noGrp="1"/>
-          </p:cNvSpPr>
-          <p:nvPr>
-            <p:ph type="title"/>
-          </p:nvPr>
-        </p:nvSpPr>
-        <p:spPr>
-          <a:xfrm>
-            <a:off x="1371600" y="685800"/>
-            <a:ext cx="9601200" cy="1068186"/>
-          </a:xfrm>
-        </p:spPr>
-        <p:txBody>
-          <a:bodyPr/>
-          <a:lstStyle/>
-          <a:p>
-            <a:r>
-              <a:rPr lang="en-US" dirty="0"/>
-              <a:t>Methodology</a:t>
-            </a:r>
-          </a:p>
-        </p:txBody>
-      </p:sp>
-      <p:sp>
-        <p:nvSpPr>
-          <p:cNvPr id="3" name="Content Placeholder 2">
-            <a:extLst>
-              <a:ext uri="{FF2B5EF4-FFF2-40B4-BE49-F238E27FC236}">
-                <a16:creationId xmlns:a16="http://schemas.microsoft.com/office/drawing/2014/main" id="{34F1593F-80A2-447E-955A-692ABDEF4646}"/>
-              </a:ext>
-            </a:extLst>
-          </p:cNvPr>
-          <p:cNvSpPr>
-            <a:spLocks noGrp="1"/>
-          </p:cNvSpPr>
-          <p:nvPr>
-            <p:ph idx="1"/>
-          </p:nvPr>
-        </p:nvSpPr>
-        <p:spPr>
-          <a:xfrm>
-            <a:off x="1371600" y="1753986"/>
-            <a:ext cx="9525699" cy="4113414"/>
-          </a:xfrm>
-        </p:spPr>
-        <p:txBody>
-          <a:bodyPr/>
-          <a:lstStyle/>
-          <a:p>
-            <a:r>
-              <a:rPr lang="en-US" dirty="0"/>
-              <a:t>To determine good quantification metrics for HMI, different types of interfaces should be designed. These interfaces should allow the user to experience different features of the interface</a:t>
-            </a:r>
-          </a:p>
-          <a:p>
-            <a:r>
-              <a:rPr lang="en-US" dirty="0"/>
-              <a:t>Researchers can determine what features of control, feedback, and the general layout would work most effectively for users using the interface. </a:t>
-            </a:r>
-          </a:p>
-          <a:p>
-            <a:r>
-              <a:rPr lang="en-US" dirty="0"/>
-              <a:t>Some metrics used to quantify the experience include:</a:t>
-            </a:r>
-          </a:p>
-          <a:p>
-            <a:pPr lvl="1"/>
-            <a:r>
-              <a:rPr lang="en-US" dirty="0"/>
-              <a:t>Effectiveness</a:t>
-            </a:r>
-          </a:p>
-          <a:p>
-            <a:pPr lvl="1"/>
-            <a:r>
-              <a:rPr lang="en-US" dirty="0"/>
-              <a:t>Efficiency</a:t>
-            </a:r>
-          </a:p>
-          <a:p>
-            <a:pPr lvl="1"/>
-            <a:r>
-              <a:rPr lang="en-US" dirty="0"/>
-              <a:t>Reaction time</a:t>
-            </a:r>
-          </a:p>
-          <a:p>
-            <a:pPr lvl="1"/>
-            <a:r>
-              <a:rPr lang="en-US" dirty="0"/>
-              <a:t>Precision		</a:t>
-            </a:r>
-          </a:p>
-          <a:p>
-            <a:endParaRPr lang="en-US" dirty="0"/>
-          </a:p>
-        </p:txBody>
-      </p:sp>
-      <p:sp>
-        <p:nvSpPr>
           <p:cNvPr id="4" name="TextBox 3">
             <a:extLst>
               <a:ext uri="{FF2B5EF4-FFF2-40B4-BE49-F238E27FC236}">
@@ -6365,10 +6877,90 @@
           </a:p>
         </p:txBody>
       </p:sp>
+      <p:pic>
+        <p:nvPicPr>
+          <p:cNvPr id="9" name="Picture 8">
+            <a:extLst>
+              <a:ext uri="{FF2B5EF4-FFF2-40B4-BE49-F238E27FC236}">
+                <a16:creationId xmlns:a16="http://schemas.microsoft.com/office/drawing/2014/main" id="{F282B685-E5D2-403D-8921-0656E1CAB547}"/>
+              </a:ext>
+            </a:extLst>
+          </p:cNvPr>
+          <p:cNvPicPr>
+            <a:picLocks noChangeAspect="1"/>
+          </p:cNvPicPr>
+          <p:nvPr/>
+        </p:nvPicPr>
+        <p:blipFill>
+          <a:blip r:embed="rId2"/>
+          <a:stretch>
+            <a:fillRect/>
+          </a:stretch>
+        </p:blipFill>
+        <p:spPr>
+          <a:xfrm>
+            <a:off x="3374326" y="1142718"/>
+            <a:ext cx="6595367" cy="4572563"/>
+          </a:xfrm>
+          <a:prstGeom prst="rect">
+            <a:avLst/>
+          </a:prstGeom>
+          <a:ln w="38100" cap="sq">
+            <a:solidFill>
+              <a:srgbClr val="000000"/>
+            </a:solidFill>
+            <a:prstDash val="solid"/>
+            <a:miter lim="800000"/>
+          </a:ln>
+          <a:effectLst>
+            <a:outerShdw blurRad="50800" dist="38100" dir="2700000" algn="tl" rotWithShape="0">
+              <a:srgbClr val="000000">
+                <a:alpha val="43000"/>
+              </a:srgbClr>
+            </a:outerShdw>
+          </a:effectLst>
+        </p:spPr>
+      </p:pic>
+      <p:sp>
+        <p:nvSpPr>
+          <p:cNvPr id="16" name="TextBox 15">
+            <a:extLst>
+              <a:ext uri="{FF2B5EF4-FFF2-40B4-BE49-F238E27FC236}">
+                <a16:creationId xmlns:a16="http://schemas.microsoft.com/office/drawing/2014/main" id="{DEEC0B06-3D03-4449-A3B8-AF7BBB750602}"/>
+              </a:ext>
+            </a:extLst>
+          </p:cNvPr>
+          <p:cNvSpPr txBox="1"/>
+          <p:nvPr/>
+        </p:nvSpPr>
+        <p:spPr>
+          <a:xfrm>
+            <a:off x="3374325" y="5897416"/>
+            <a:ext cx="6595367" cy="338554"/>
+          </a:xfrm>
+          <a:prstGeom prst="rect">
+            <a:avLst/>
+          </a:prstGeom>
+          <a:noFill/>
+        </p:spPr>
+        <p:txBody>
+          <a:bodyPr wrap="square" rtlCol="0">
+            <a:spAutoFit/>
+          </a:bodyPr>
+          <a:lstStyle/>
+          <a:p>
+            <a:pPr algn="ctr"/>
+            <a:r>
+              <a:rPr lang="en-US" sz="1600" dirty="0"/>
+              <a:t>Figure 2 – UI design choice for an industrial robot </a:t>
+            </a:r>
+          </a:p>
+        </p:txBody>
+      </p:sp>
     </p:spTree>
     <p:extLst>
       <p:ext uri="{BB962C8B-B14F-4D97-AF65-F5344CB8AC3E}">
-        <p14:creationId xmlns:p14="http://schemas.microsoft.com/office/powerpoint/2010/main" val="3533040449"/>
+        <p14:creationId xmlns:p14="http://schemas.microsoft.com/office/powerpoint/2010/main" val="4269119798"/>
       </p:ext>
     </p:extLst>
   </p:cSld>
@@ -6423,7 +7015,7 @@
           <a:p>
             <a:r>
               <a:rPr lang="en-US" dirty="0"/>
-              <a:t>Methodology - Continued</a:t>
+              <a:t>Methodology</a:t>
             </a:r>
           </a:p>
         </p:txBody>
@@ -6447,7 +7039,7 @@
         <p:spPr>
           <a:xfrm>
             <a:off x="1371600" y="1753986"/>
-            <a:ext cx="8952807" cy="4113414"/>
+            <a:ext cx="9525699" cy="4113414"/>
           </a:xfrm>
         </p:spPr>
         <p:txBody>
@@ -6456,49 +7048,51 @@
           <a:p>
             <a:r>
               <a:rPr lang="en-US" dirty="0"/>
-              <a:t>There are various contingencies to a good user interface for HRI or HMI; these include but are not limited to the following: </a:t>
+              <a:t>To determine good quantification metrics for HMI, different types of interfaces should be designed. These interfaces should allow the user to experience different features of the interface</a:t>
+            </a:r>
+          </a:p>
+          <a:p>
+            <a:r>
+              <a:rPr lang="en-US" dirty="0"/>
+              <a:t>Researchers can determine what features of control, feedback, and the general layout would work most effectively for users using the interface. </a:t>
+            </a:r>
+          </a:p>
+          <a:p>
+            <a:r>
+              <a:rPr lang="en-US" dirty="0"/>
+              <a:t>Some metrics used to quantify the experience include:</a:t>
             </a:r>
           </a:p>
           <a:p>
             <a:pPr lvl="1"/>
             <a:r>
               <a:rPr lang="en-US" dirty="0"/>
-              <a:t>Performance</a:t>
+              <a:t>Effectiveness</a:t>
             </a:r>
           </a:p>
           <a:p>
             <a:pPr lvl="1"/>
             <a:r>
               <a:rPr lang="en-US" dirty="0"/>
-              <a:t>Utility of mixed initiative </a:t>
+              <a:t>Efficiency</a:t>
             </a:r>
           </a:p>
           <a:p>
             <a:pPr lvl="1"/>
             <a:r>
               <a:rPr lang="en-US" dirty="0"/>
-              <a:t>Situational Awareness</a:t>
+              <a:t>Reaction time</a:t>
             </a:r>
           </a:p>
           <a:p>
             <a:pPr lvl="1"/>
             <a:r>
               <a:rPr lang="en-US" dirty="0"/>
-              <a:t>Awareness of operator</a:t>
-            </a:r>
-          </a:p>
-          <a:p>
-            <a:pPr lvl="1"/>
-            <a:r>
-              <a:rPr lang="en-US" dirty="0"/>
-              <a:t>Safety</a:t>
-            </a:r>
-          </a:p>
-          <a:p>
-            <a:r>
-              <a:rPr lang="en-US" dirty="0"/>
-              <a:t>These are not all possible categories to quantify HRI or HMI performance but some of the important aspects</a:t>
-            </a:r>
+              <a:t>Precision		</a:t>
+            </a:r>
+          </a:p>
+          <a:p>
+            <a:endParaRPr lang="en-US" dirty="0"/>
           </a:p>
         </p:txBody>
       </p:sp>
@@ -6570,7 +7164,7 @@
     </p:spTree>
     <p:extLst>
       <p:ext uri="{BB962C8B-B14F-4D97-AF65-F5344CB8AC3E}">
-        <p14:creationId xmlns:p14="http://schemas.microsoft.com/office/powerpoint/2010/main" val="1563126932"/>
+        <p14:creationId xmlns:p14="http://schemas.microsoft.com/office/powerpoint/2010/main" val="3533040449"/>
       </p:ext>
     </p:extLst>
   </p:cSld>
@@ -6798,11 +7392,57 @@
           <a:p>
             <a:r>
               <a:rPr lang="en-US" dirty="0"/>
-              <a:t>Setup – Hardware Setup</a:t>
-            </a:r>
-          </a:p>
-        </p:txBody>
-      </p:sp>
+              <a:t>Setup – Hardware</a:t>
+            </a:r>
+          </a:p>
+        </p:txBody>
+      </p:sp>
+      <p:pic>
+        <p:nvPicPr>
+          <p:cNvPr id="7" name="Content Placeholder 6">
+            <a:extLst>
+              <a:ext uri="{FF2B5EF4-FFF2-40B4-BE49-F238E27FC236}">
+                <a16:creationId xmlns:a16="http://schemas.microsoft.com/office/drawing/2014/main" id="{FA693911-D7CB-44DA-87B1-2DF5E0EA500F}"/>
+              </a:ext>
+            </a:extLst>
+          </p:cNvPr>
+          <p:cNvPicPr>
+            <a:picLocks noGrp="1" noChangeAspect="1"/>
+          </p:cNvPicPr>
+          <p:nvPr>
+            <p:ph idx="1"/>
+          </p:nvPr>
+        </p:nvPicPr>
+        <p:blipFill>
+          <a:blip r:embed="rId2"/>
+          <a:stretch>
+            <a:fillRect/>
+          </a:stretch>
+        </p:blipFill>
+        <p:spPr>
+          <a:xfrm>
+            <a:off x="2323356" y="1498188"/>
+            <a:ext cx="8126430" cy="3861623"/>
+          </a:xfrm>
+          <a:prstGeom prst="rect">
+            <a:avLst/>
+          </a:prstGeom>
+          <a:ln w="38100" cap="sq">
+            <a:solidFill>
+              <a:srgbClr val="000000"/>
+            </a:solidFill>
+            <a:prstDash val="solid"/>
+            <a:miter lim="800000"/>
+          </a:ln>
+          <a:effectLst>
+            <a:outerShdw blurRad="50800" dist="38100" dir="2700000" algn="tl" rotWithShape="0">
+              <a:srgbClr val="000000">
+                <a:alpha val="43000"/>
+              </a:srgbClr>
+            </a:outerShdw>
+          </a:effectLst>
+        </p:spPr>
+      </p:pic>
       <p:sp>
         <p:nvSpPr>
           <p:cNvPr id="4" name="TextBox 3">
@@ -6868,151 +7508,12 @@
           </a:p>
         </p:txBody>
       </p:sp>
-      <p:pic>
-        <p:nvPicPr>
-          <p:cNvPr id="11" name="Picture 10">
-            <a:extLst>
-              <a:ext uri="{FF2B5EF4-FFF2-40B4-BE49-F238E27FC236}">
-                <a16:creationId xmlns:a16="http://schemas.microsoft.com/office/drawing/2014/main" id="{A4E2911B-718F-4163-8B1A-9D07CB1191DD}"/>
-              </a:ext>
-            </a:extLst>
-          </p:cNvPr>
-          <p:cNvPicPr>
-            <a:picLocks noChangeAspect="1"/>
-          </p:cNvPicPr>
-          <p:nvPr/>
-        </p:nvPicPr>
-        <p:blipFill rotWithShape="1">
-          <a:blip r:embed="rId2" cstate="print">
-            <a:extLst>
-              <a:ext uri="{28A0092B-C50C-407E-A947-70E740481C1C}">
-                <a14:useLocalDpi xmlns:a14="http://schemas.microsoft.com/office/drawing/2010/main"/>
-              </a:ext>
-            </a:extLst>
-          </a:blip>
-          <a:srcRect/>
-          <a:stretch/>
-        </p:blipFill>
-        <p:spPr>
-          <a:xfrm>
-            <a:off x="3363987" y="1498782"/>
-            <a:ext cx="5805182" cy="4673418"/>
-          </a:xfrm>
-          <a:prstGeom prst="rect">
-            <a:avLst/>
-          </a:prstGeom>
-        </p:spPr>
-      </p:pic>
-      <p:sp>
-        <p:nvSpPr>
-          <p:cNvPr id="9" name="Oval 8">
-            <a:extLst>
-              <a:ext uri="{FF2B5EF4-FFF2-40B4-BE49-F238E27FC236}">
-                <a16:creationId xmlns:a16="http://schemas.microsoft.com/office/drawing/2014/main" id="{1FFA00CC-3B58-463F-ACAB-08AFE3B7665A}"/>
-              </a:ext>
-            </a:extLst>
-          </p:cNvPr>
-          <p:cNvSpPr/>
-          <p:nvPr/>
-        </p:nvSpPr>
-        <p:spPr>
-          <a:xfrm>
-            <a:off x="3523376" y="2767305"/>
-            <a:ext cx="847288" cy="831572"/>
-          </a:xfrm>
-          <a:prstGeom prst="ellipse">
-            <a:avLst/>
-          </a:prstGeom>
-          <a:noFill/>
-          <a:ln>
-            <a:solidFill>
-              <a:srgbClr val="FFFF00"/>
-            </a:solidFill>
-          </a:ln>
-        </p:spPr>
-        <p:style>
-          <a:lnRef idx="2">
-            <a:schemeClr val="accent1">
-              <a:shade val="50000"/>
-            </a:schemeClr>
-          </a:lnRef>
-          <a:fillRef idx="1">
-            <a:schemeClr val="accent1"/>
-          </a:fillRef>
-          <a:effectRef idx="0">
-            <a:schemeClr val="accent1"/>
-          </a:effectRef>
-          <a:fontRef idx="minor">
-            <a:schemeClr val="lt1"/>
-          </a:fontRef>
-        </p:style>
-        <p:txBody>
-          <a:bodyPr rtlCol="0" anchor="ctr"/>
-          <a:lstStyle/>
-          <a:p>
-            <a:pPr algn="ctr"/>
-            <a:endParaRPr lang="en-US"/>
-          </a:p>
-        </p:txBody>
-      </p:sp>
-      <p:sp>
-        <p:nvSpPr>
-          <p:cNvPr id="12" name="Oval 11">
-            <a:extLst>
-              <a:ext uri="{FF2B5EF4-FFF2-40B4-BE49-F238E27FC236}">
-                <a16:creationId xmlns:a16="http://schemas.microsoft.com/office/drawing/2014/main" id="{A2E6218C-115E-42F2-8ED6-BD18263650F0}"/>
-              </a:ext>
-            </a:extLst>
-          </p:cNvPr>
-          <p:cNvSpPr/>
-          <p:nvPr/>
-        </p:nvSpPr>
-        <p:spPr>
-          <a:xfrm>
-            <a:off x="5882082" y="3447093"/>
-            <a:ext cx="1399562" cy="772570"/>
-          </a:xfrm>
-          <a:prstGeom prst="ellipse">
-            <a:avLst/>
-          </a:prstGeom>
-          <a:noFill/>
-          <a:ln>
-            <a:solidFill>
-              <a:srgbClr val="FFFF00"/>
-            </a:solidFill>
-          </a:ln>
-        </p:spPr>
-        <p:style>
-          <a:lnRef idx="2">
-            <a:schemeClr val="accent1">
-              <a:shade val="50000"/>
-            </a:schemeClr>
-          </a:lnRef>
-          <a:fillRef idx="1">
-            <a:schemeClr val="accent1"/>
-          </a:fillRef>
-          <a:effectRef idx="0">
-            <a:schemeClr val="accent1"/>
-          </a:effectRef>
-          <a:fontRef idx="minor">
-            <a:schemeClr val="lt1"/>
-          </a:fontRef>
-        </p:style>
-        <p:txBody>
-          <a:bodyPr rtlCol="0" anchor="ctr"/>
-          <a:lstStyle/>
-          <a:p>
-            <a:pPr algn="ctr"/>
-            <a:endParaRPr lang="en-US"/>
-          </a:p>
-        </p:txBody>
-      </p:sp>
-      <p:sp>
-        <p:nvSpPr>
-          <p:cNvPr id="10" name="TextBox 9">
-            <a:extLst>
-              <a:ext uri="{FF2B5EF4-FFF2-40B4-BE49-F238E27FC236}">
-                <a16:creationId xmlns:a16="http://schemas.microsoft.com/office/drawing/2014/main" id="{00D93D74-B617-4CBB-8516-3F0D87955182}"/>
+      <p:sp>
+        <p:nvSpPr>
+          <p:cNvPr id="8" name="TextBox 7">
+            <a:extLst>
+              <a:ext uri="{FF2B5EF4-FFF2-40B4-BE49-F238E27FC236}">
+                <a16:creationId xmlns:a16="http://schemas.microsoft.com/office/drawing/2014/main" id="{BEECA231-2CE0-4258-90F8-42C3E8FAC38C}"/>
               </a:ext>
             </a:extLst>
           </p:cNvPr>
@@ -7021,214 +7522,24 @@
         </p:nvSpPr>
         <p:spPr>
           <a:xfrm>
-            <a:off x="2122415" y="4211273"/>
-            <a:ext cx="3011647" cy="369332"/>
-          </a:xfrm>
-          <a:prstGeom prst="rect">
-            <a:avLst/>
-          </a:prstGeom>
-          <a:solidFill>
-            <a:schemeClr val="accent1">
-              <a:lumMod val="60000"/>
-              <a:lumOff val="40000"/>
-            </a:schemeClr>
-          </a:solidFill>
-        </p:spPr>
-        <p:txBody>
-          <a:bodyPr wrap="square" rtlCol="0">
-            <a:spAutoFit/>
-          </a:bodyPr>
-          <a:lstStyle/>
-          <a:p>
-            <a:r>
-              <a:rPr lang="en-US" dirty="0"/>
-              <a:t>Motion Capture system</a:t>
-            </a:r>
-          </a:p>
-        </p:txBody>
-      </p:sp>
-      <p:cxnSp>
-        <p:nvCxnSpPr>
-          <p:cNvPr id="14" name="Straight Arrow Connector 13">
-            <a:extLst>
-              <a:ext uri="{FF2B5EF4-FFF2-40B4-BE49-F238E27FC236}">
-                <a16:creationId xmlns:a16="http://schemas.microsoft.com/office/drawing/2014/main" id="{9982F1EC-463A-4427-A790-E0D34E36C6CD}"/>
-              </a:ext>
-            </a:extLst>
-          </p:cNvPr>
-          <p:cNvCxnSpPr>
-            <a:stCxn id="10" idx="3"/>
-            <a:endCxn id="12" idx="3"/>
-          </p:cNvCxnSpPr>
-          <p:nvPr/>
-        </p:nvCxnSpPr>
-        <p:spPr>
-          <a:xfrm flipV="1">
-            <a:off x="5134062" y="4106523"/>
-            <a:ext cx="952981" cy="289416"/>
-          </a:xfrm>
-          <a:prstGeom prst="straightConnector1">
-            <a:avLst/>
-          </a:prstGeom>
-          <a:ln w="76200">
-            <a:solidFill>
-              <a:srgbClr val="FFFF00"/>
-            </a:solidFill>
-            <a:tailEnd type="triangle"/>
-          </a:ln>
-        </p:spPr>
-        <p:style>
-          <a:lnRef idx="2">
-            <a:schemeClr val="accent1"/>
-          </a:lnRef>
-          <a:fillRef idx="0">
-            <a:schemeClr val="accent1"/>
-          </a:fillRef>
-          <a:effectRef idx="1">
-            <a:schemeClr val="accent1"/>
-          </a:effectRef>
-          <a:fontRef idx="minor">
-            <a:schemeClr val="tx1"/>
-          </a:fontRef>
-        </p:style>
-      </p:cxnSp>
-      <p:cxnSp>
-        <p:nvCxnSpPr>
-          <p:cNvPr id="15" name="Straight Arrow Connector 14">
-            <a:extLst>
-              <a:ext uri="{FF2B5EF4-FFF2-40B4-BE49-F238E27FC236}">
-                <a16:creationId xmlns:a16="http://schemas.microsoft.com/office/drawing/2014/main" id="{F3F496BC-9EA8-4018-B6CC-7D606DE9540A}"/>
-              </a:ext>
-            </a:extLst>
-          </p:cNvPr>
-          <p:cNvCxnSpPr>
-            <a:cxnSpLocks/>
-            <a:stCxn id="10" idx="0"/>
-            <a:endCxn id="9" idx="4"/>
-          </p:cNvCxnSpPr>
-          <p:nvPr/>
-        </p:nvCxnSpPr>
-        <p:spPr>
-          <a:xfrm flipV="1">
-            <a:off x="3628239" y="3598877"/>
-            <a:ext cx="318781" cy="612396"/>
-          </a:xfrm>
-          <a:prstGeom prst="straightConnector1">
-            <a:avLst/>
-          </a:prstGeom>
-          <a:ln w="76200">
-            <a:solidFill>
-              <a:srgbClr val="FFFF00"/>
-            </a:solidFill>
-            <a:tailEnd type="triangle"/>
-          </a:ln>
-        </p:spPr>
-        <p:style>
-          <a:lnRef idx="2">
-            <a:schemeClr val="accent1"/>
-          </a:lnRef>
-          <a:fillRef idx="0">
-            <a:schemeClr val="accent1"/>
-          </a:fillRef>
-          <a:effectRef idx="1">
-            <a:schemeClr val="accent1"/>
-          </a:effectRef>
-          <a:fontRef idx="minor">
-            <a:schemeClr val="tx1"/>
-          </a:fontRef>
-        </p:style>
-      </p:cxnSp>
-      <p:sp>
-        <p:nvSpPr>
-          <p:cNvPr id="23" name="Rectangle 22">
-            <a:extLst>
-              <a:ext uri="{FF2B5EF4-FFF2-40B4-BE49-F238E27FC236}">
-                <a16:creationId xmlns:a16="http://schemas.microsoft.com/office/drawing/2014/main" id="{726BCB29-C2CF-4DCE-A21F-A0C3ACACD101}"/>
-              </a:ext>
-            </a:extLst>
-          </p:cNvPr>
-          <p:cNvSpPr/>
-          <p:nvPr/>
-        </p:nvSpPr>
-        <p:spPr>
-          <a:xfrm>
-            <a:off x="6534042" y="4106523"/>
-            <a:ext cx="1194601" cy="1806247"/>
+            <a:off x="3088887" y="5416408"/>
+            <a:ext cx="6595367" cy="338554"/>
           </a:xfrm>
           <a:prstGeom prst="rect">
             <a:avLst/>
           </a:prstGeom>
           <a:noFill/>
-          <a:ln>
-            <a:solidFill>
-              <a:schemeClr val="accent1">
-                <a:lumMod val="60000"/>
-                <a:lumOff val="40000"/>
-              </a:schemeClr>
-            </a:solidFill>
-          </a:ln>
-        </p:spPr>
-        <p:style>
-          <a:lnRef idx="2">
-            <a:schemeClr val="accent1">
-              <a:shade val="50000"/>
-            </a:schemeClr>
-          </a:lnRef>
-          <a:fillRef idx="1">
-            <a:schemeClr val="accent1"/>
-          </a:fillRef>
-          <a:effectRef idx="0">
-            <a:schemeClr val="accent1"/>
-          </a:effectRef>
-          <a:fontRef idx="minor">
-            <a:schemeClr val="lt1"/>
-          </a:fontRef>
-        </p:style>
-        <p:txBody>
-          <a:bodyPr rtlCol="0" anchor="ctr"/>
-          <a:lstStyle/>
-          <a:p>
-            <a:pPr algn="ctr"/>
-            <a:endParaRPr lang="en-US"/>
-          </a:p>
-        </p:txBody>
-      </p:sp>
-      <p:sp>
-        <p:nvSpPr>
-          <p:cNvPr id="24" name="TextBox 23">
-            <a:extLst>
-              <a:ext uri="{FF2B5EF4-FFF2-40B4-BE49-F238E27FC236}">
-                <a16:creationId xmlns:a16="http://schemas.microsoft.com/office/drawing/2014/main" id="{B5C84E17-BAE8-4821-BCB7-1F72D2FBA4B4}"/>
-              </a:ext>
-            </a:extLst>
-          </p:cNvPr>
-          <p:cNvSpPr txBox="1"/>
-          <p:nvPr/>
-        </p:nvSpPr>
-        <p:spPr>
-          <a:xfrm>
-            <a:off x="7728643" y="4640314"/>
-            <a:ext cx="2098460" cy="369332"/>
-          </a:xfrm>
-          <a:prstGeom prst="rect">
-            <a:avLst/>
-          </a:prstGeom>
-          <a:solidFill>
-            <a:schemeClr val="accent1">
-              <a:lumMod val="60000"/>
-              <a:lumOff val="40000"/>
-            </a:schemeClr>
-          </a:solidFill>
-        </p:spPr>
-        <p:txBody>
-          <a:bodyPr wrap="none" rtlCol="0">
+        </p:spPr>
+        <p:txBody>
+          <a:bodyPr wrap="square" rtlCol="0">
             <a:spAutoFit/>
           </a:bodyPr>
           <a:lstStyle/>
           <a:p>
-            <a:r>
-              <a:rPr lang="en-US" dirty="0"/>
-              <a:t>Main User Interface</a:t>
+            <a:pPr algn="ctr"/>
+            <a:r>
+              <a:rPr lang="en-US" sz="1600" dirty="0"/>
+              <a:t>Figure 3 – System Overview breakdown</a:t>
             </a:r>
           </a:p>
         </p:txBody>
@@ -7236,7 +7547,7 @@
     </p:spTree>
     <p:extLst>
       <p:ext uri="{BB962C8B-B14F-4D97-AF65-F5344CB8AC3E}">
-        <p14:creationId xmlns:p14="http://schemas.microsoft.com/office/powerpoint/2010/main" val="1074241195"/>
+        <p14:creationId xmlns:p14="http://schemas.microsoft.com/office/powerpoint/2010/main" val="347328723"/>
       </p:ext>
     </p:extLst>
   </p:cSld>
@@ -7291,62 +7602,7 @@
           <a:p>
             <a:r>
               <a:rPr lang="en-US" dirty="0"/>
-              <a:t>Setup – Software Components</a:t>
-            </a:r>
-          </a:p>
-        </p:txBody>
-      </p:sp>
-      <p:sp>
-        <p:nvSpPr>
-          <p:cNvPr id="3" name="Content Placeholder 2">
-            <a:extLst>
-              <a:ext uri="{FF2B5EF4-FFF2-40B4-BE49-F238E27FC236}">
-                <a16:creationId xmlns:a16="http://schemas.microsoft.com/office/drawing/2014/main" id="{34F1593F-80A2-447E-955A-692ABDEF4646}"/>
-              </a:ext>
-            </a:extLst>
-          </p:cNvPr>
-          <p:cNvSpPr>
-            <a:spLocks noGrp="1"/>
-          </p:cNvSpPr>
-          <p:nvPr>
-            <p:ph idx="1"/>
-          </p:nvPr>
-        </p:nvSpPr>
-        <p:spPr>
-          <a:xfrm>
-            <a:off x="1371600" y="1753986"/>
-            <a:ext cx="4696690" cy="4322618"/>
-          </a:xfrm>
-        </p:spPr>
-        <p:txBody>
-          <a:bodyPr>
-            <a:normAutofit/>
-          </a:bodyPr>
-          <a:lstStyle/>
-          <a:p>
-            <a:r>
-              <a:rPr lang="en-US" dirty="0"/>
-              <a:t>The system is divided into several sub-components that allow the design to be portable and flexible for metric studies</a:t>
-            </a:r>
-          </a:p>
-          <a:p>
-            <a:r>
-              <a:rPr lang="en-US" dirty="0"/>
-              <a:t>Collaborative Robotics Programming Interface (CRPI) allows the program to send commands to the robot from the tablet to the robot</a:t>
-            </a:r>
-          </a:p>
-          <a:p>
-            <a:r>
-              <a:rPr lang="en-US" dirty="0"/>
-              <a:t>The </a:t>
-            </a:r>
-            <a:r>
-              <a:rPr lang="en-US" dirty="0" err="1"/>
-              <a:t>Vicom</a:t>
-            </a:r>
-            <a:r>
-              <a:rPr lang="en-US" dirty="0"/>
-              <a:t> relays data from a separate server whereupon a separate Unity instance calculates the position of items and determines what robot is the user looking at</a:t>
+              <a:t>Setup – Hardware Setup</a:t>
             </a:r>
           </a:p>
         </p:txBody>
@@ -7418,10 +7674,10 @@
       </p:sp>
       <p:pic>
         <p:nvPicPr>
-          <p:cNvPr id="9" name="Picture 8">
-            <a:extLst>
-              <a:ext uri="{FF2B5EF4-FFF2-40B4-BE49-F238E27FC236}">
-                <a16:creationId xmlns:a16="http://schemas.microsoft.com/office/drawing/2014/main" id="{B0BEC49A-77B0-4DD4-9677-EBBFEC43362B}"/>
+          <p:cNvPr id="11" name="Picture 10">
+            <a:extLst>
+              <a:ext uri="{FF2B5EF4-FFF2-40B4-BE49-F238E27FC236}">
+                <a16:creationId xmlns:a16="http://schemas.microsoft.com/office/drawing/2014/main" id="{A4E2911B-718F-4163-8B1A-9D07CB1191DD}"/>
               </a:ext>
             </a:extLst>
           </p:cNvPr>
@@ -7430,26 +7686,361 @@
           </p:cNvPicPr>
           <p:nvPr/>
         </p:nvPicPr>
-        <p:blipFill>
-          <a:blip r:embed="rId2"/>
-          <a:stretch>
-            <a:fillRect/>
-          </a:stretch>
+        <p:blipFill rotWithShape="1">
+          <a:blip r:embed="rId2" cstate="print">
+            <a:extLst>
+              <a:ext uri="{28A0092B-C50C-407E-A947-70E740481C1C}">
+                <a14:useLocalDpi xmlns:a14="http://schemas.microsoft.com/office/drawing/2010/main"/>
+              </a:ext>
+            </a:extLst>
+          </a:blip>
+          <a:srcRect/>
+          <a:stretch/>
         </p:blipFill>
         <p:spPr>
           <a:xfrm>
-            <a:off x="6096000" y="1858588"/>
-            <a:ext cx="5665811" cy="4113414"/>
+            <a:off x="3363987" y="1498782"/>
+            <a:ext cx="5805182" cy="4673418"/>
           </a:xfrm>
           <a:prstGeom prst="rect">
             <a:avLst/>
           </a:prstGeom>
         </p:spPr>
       </p:pic>
+      <p:sp>
+        <p:nvSpPr>
+          <p:cNvPr id="9" name="Oval 8">
+            <a:extLst>
+              <a:ext uri="{FF2B5EF4-FFF2-40B4-BE49-F238E27FC236}">
+                <a16:creationId xmlns:a16="http://schemas.microsoft.com/office/drawing/2014/main" id="{1FFA00CC-3B58-463F-ACAB-08AFE3B7665A}"/>
+              </a:ext>
+            </a:extLst>
+          </p:cNvPr>
+          <p:cNvSpPr/>
+          <p:nvPr/>
+        </p:nvSpPr>
+        <p:spPr>
+          <a:xfrm>
+            <a:off x="3523376" y="2767305"/>
+            <a:ext cx="847288" cy="831572"/>
+          </a:xfrm>
+          <a:prstGeom prst="ellipse">
+            <a:avLst/>
+          </a:prstGeom>
+          <a:noFill/>
+          <a:ln>
+            <a:solidFill>
+              <a:srgbClr val="FFFF00"/>
+            </a:solidFill>
+          </a:ln>
+        </p:spPr>
+        <p:style>
+          <a:lnRef idx="2">
+            <a:schemeClr val="accent1">
+              <a:shade val="50000"/>
+            </a:schemeClr>
+          </a:lnRef>
+          <a:fillRef idx="1">
+            <a:schemeClr val="accent1"/>
+          </a:fillRef>
+          <a:effectRef idx="0">
+            <a:schemeClr val="accent1"/>
+          </a:effectRef>
+          <a:fontRef idx="minor">
+            <a:schemeClr val="lt1"/>
+          </a:fontRef>
+        </p:style>
+        <p:txBody>
+          <a:bodyPr rtlCol="0" anchor="ctr"/>
+          <a:lstStyle/>
+          <a:p>
+            <a:pPr algn="ctr"/>
+            <a:endParaRPr lang="en-US"/>
+          </a:p>
+        </p:txBody>
+      </p:sp>
+      <p:sp>
+        <p:nvSpPr>
+          <p:cNvPr id="12" name="Oval 11">
+            <a:extLst>
+              <a:ext uri="{FF2B5EF4-FFF2-40B4-BE49-F238E27FC236}">
+                <a16:creationId xmlns:a16="http://schemas.microsoft.com/office/drawing/2014/main" id="{A2E6218C-115E-42F2-8ED6-BD18263650F0}"/>
+              </a:ext>
+            </a:extLst>
+          </p:cNvPr>
+          <p:cNvSpPr/>
+          <p:nvPr/>
+        </p:nvSpPr>
+        <p:spPr>
+          <a:xfrm>
+            <a:off x="5882082" y="3447093"/>
+            <a:ext cx="1399562" cy="772570"/>
+          </a:xfrm>
+          <a:prstGeom prst="ellipse">
+            <a:avLst/>
+          </a:prstGeom>
+          <a:noFill/>
+          <a:ln>
+            <a:solidFill>
+              <a:srgbClr val="FFFF00"/>
+            </a:solidFill>
+          </a:ln>
+        </p:spPr>
+        <p:style>
+          <a:lnRef idx="2">
+            <a:schemeClr val="accent1">
+              <a:shade val="50000"/>
+            </a:schemeClr>
+          </a:lnRef>
+          <a:fillRef idx="1">
+            <a:schemeClr val="accent1"/>
+          </a:fillRef>
+          <a:effectRef idx="0">
+            <a:schemeClr val="accent1"/>
+          </a:effectRef>
+          <a:fontRef idx="minor">
+            <a:schemeClr val="lt1"/>
+          </a:fontRef>
+        </p:style>
+        <p:txBody>
+          <a:bodyPr rtlCol="0" anchor="ctr"/>
+          <a:lstStyle/>
+          <a:p>
+            <a:pPr algn="ctr"/>
+            <a:endParaRPr lang="en-US"/>
+          </a:p>
+        </p:txBody>
+      </p:sp>
+      <p:sp>
+        <p:nvSpPr>
+          <p:cNvPr id="10" name="TextBox 9">
+            <a:extLst>
+              <a:ext uri="{FF2B5EF4-FFF2-40B4-BE49-F238E27FC236}">
+                <a16:creationId xmlns:a16="http://schemas.microsoft.com/office/drawing/2014/main" id="{00D93D74-B617-4CBB-8516-3F0D87955182}"/>
+              </a:ext>
+            </a:extLst>
+          </p:cNvPr>
+          <p:cNvSpPr txBox="1"/>
+          <p:nvPr/>
+        </p:nvSpPr>
+        <p:spPr>
+          <a:xfrm>
+            <a:off x="2122415" y="4211273"/>
+            <a:ext cx="3011647" cy="369332"/>
+          </a:xfrm>
+          <a:prstGeom prst="rect">
+            <a:avLst/>
+          </a:prstGeom>
+          <a:solidFill>
+            <a:schemeClr val="accent1">
+              <a:lumMod val="60000"/>
+              <a:lumOff val="40000"/>
+            </a:schemeClr>
+          </a:solidFill>
+        </p:spPr>
+        <p:txBody>
+          <a:bodyPr wrap="square" rtlCol="0">
+            <a:spAutoFit/>
+          </a:bodyPr>
+          <a:lstStyle/>
+          <a:p>
+            <a:r>
+              <a:rPr lang="en-US" dirty="0"/>
+              <a:t>Motion Capture system</a:t>
+            </a:r>
+          </a:p>
+        </p:txBody>
+      </p:sp>
+      <p:cxnSp>
+        <p:nvCxnSpPr>
+          <p:cNvPr id="14" name="Straight Arrow Connector 13">
+            <a:extLst>
+              <a:ext uri="{FF2B5EF4-FFF2-40B4-BE49-F238E27FC236}">
+                <a16:creationId xmlns:a16="http://schemas.microsoft.com/office/drawing/2014/main" id="{9982F1EC-463A-4427-A790-E0D34E36C6CD}"/>
+              </a:ext>
+            </a:extLst>
+          </p:cNvPr>
+          <p:cNvCxnSpPr>
+            <a:stCxn id="10" idx="3"/>
+            <a:endCxn id="12" idx="3"/>
+          </p:cNvCxnSpPr>
+          <p:nvPr/>
+        </p:nvCxnSpPr>
+        <p:spPr>
+          <a:xfrm flipV="1">
+            <a:off x="5134062" y="4106523"/>
+            <a:ext cx="952981" cy="289416"/>
+          </a:xfrm>
+          <a:prstGeom prst="straightConnector1">
+            <a:avLst/>
+          </a:prstGeom>
+          <a:ln w="76200">
+            <a:solidFill>
+              <a:srgbClr val="FFFF00"/>
+            </a:solidFill>
+            <a:tailEnd type="triangle"/>
+          </a:ln>
+        </p:spPr>
+        <p:style>
+          <a:lnRef idx="2">
+            <a:schemeClr val="accent1"/>
+          </a:lnRef>
+          <a:fillRef idx="0">
+            <a:schemeClr val="accent1"/>
+          </a:fillRef>
+          <a:effectRef idx="1">
+            <a:schemeClr val="accent1"/>
+          </a:effectRef>
+          <a:fontRef idx="minor">
+            <a:schemeClr val="tx1"/>
+          </a:fontRef>
+        </p:style>
+      </p:cxnSp>
+      <p:cxnSp>
+        <p:nvCxnSpPr>
+          <p:cNvPr id="15" name="Straight Arrow Connector 14">
+            <a:extLst>
+              <a:ext uri="{FF2B5EF4-FFF2-40B4-BE49-F238E27FC236}">
+                <a16:creationId xmlns:a16="http://schemas.microsoft.com/office/drawing/2014/main" id="{F3F496BC-9EA8-4018-B6CC-7D606DE9540A}"/>
+              </a:ext>
+            </a:extLst>
+          </p:cNvPr>
+          <p:cNvCxnSpPr>
+            <a:cxnSpLocks/>
+            <a:stCxn id="10" idx="0"/>
+            <a:endCxn id="9" idx="4"/>
+          </p:cNvCxnSpPr>
+          <p:nvPr/>
+        </p:nvCxnSpPr>
+        <p:spPr>
+          <a:xfrm flipV="1">
+            <a:off x="3628239" y="3598877"/>
+            <a:ext cx="318781" cy="612396"/>
+          </a:xfrm>
+          <a:prstGeom prst="straightConnector1">
+            <a:avLst/>
+          </a:prstGeom>
+          <a:ln w="76200">
+            <a:solidFill>
+              <a:srgbClr val="FFFF00"/>
+            </a:solidFill>
+            <a:tailEnd type="triangle"/>
+          </a:ln>
+        </p:spPr>
+        <p:style>
+          <a:lnRef idx="2">
+            <a:schemeClr val="accent1"/>
+          </a:lnRef>
+          <a:fillRef idx="0">
+            <a:schemeClr val="accent1"/>
+          </a:fillRef>
+          <a:effectRef idx="1">
+            <a:schemeClr val="accent1"/>
+          </a:effectRef>
+          <a:fontRef idx="minor">
+            <a:schemeClr val="tx1"/>
+          </a:fontRef>
+        </p:style>
+      </p:cxnSp>
+      <p:sp>
+        <p:nvSpPr>
+          <p:cNvPr id="23" name="Rectangle 22">
+            <a:extLst>
+              <a:ext uri="{FF2B5EF4-FFF2-40B4-BE49-F238E27FC236}">
+                <a16:creationId xmlns:a16="http://schemas.microsoft.com/office/drawing/2014/main" id="{726BCB29-C2CF-4DCE-A21F-A0C3ACACD101}"/>
+              </a:ext>
+            </a:extLst>
+          </p:cNvPr>
+          <p:cNvSpPr/>
+          <p:nvPr/>
+        </p:nvSpPr>
+        <p:spPr>
+          <a:xfrm>
+            <a:off x="6534042" y="4106523"/>
+            <a:ext cx="1194601" cy="1806247"/>
+          </a:xfrm>
+          <a:prstGeom prst="rect">
+            <a:avLst/>
+          </a:prstGeom>
+          <a:noFill/>
+          <a:ln>
+            <a:solidFill>
+              <a:schemeClr val="accent1">
+                <a:lumMod val="60000"/>
+                <a:lumOff val="40000"/>
+              </a:schemeClr>
+            </a:solidFill>
+          </a:ln>
+        </p:spPr>
+        <p:style>
+          <a:lnRef idx="2">
+            <a:schemeClr val="accent1">
+              <a:shade val="50000"/>
+            </a:schemeClr>
+          </a:lnRef>
+          <a:fillRef idx="1">
+            <a:schemeClr val="accent1"/>
+          </a:fillRef>
+          <a:effectRef idx="0">
+            <a:schemeClr val="accent1"/>
+          </a:effectRef>
+          <a:fontRef idx="minor">
+            <a:schemeClr val="lt1"/>
+          </a:fontRef>
+        </p:style>
+        <p:txBody>
+          <a:bodyPr rtlCol="0" anchor="ctr"/>
+          <a:lstStyle/>
+          <a:p>
+            <a:pPr algn="ctr"/>
+            <a:endParaRPr lang="en-US"/>
+          </a:p>
+        </p:txBody>
+      </p:sp>
+      <p:sp>
+        <p:nvSpPr>
+          <p:cNvPr id="24" name="TextBox 23">
+            <a:extLst>
+              <a:ext uri="{FF2B5EF4-FFF2-40B4-BE49-F238E27FC236}">
+                <a16:creationId xmlns:a16="http://schemas.microsoft.com/office/drawing/2014/main" id="{B5C84E17-BAE8-4821-BCB7-1F72D2FBA4B4}"/>
+              </a:ext>
+            </a:extLst>
+          </p:cNvPr>
+          <p:cNvSpPr txBox="1"/>
+          <p:nvPr/>
+        </p:nvSpPr>
+        <p:spPr>
+          <a:xfrm>
+            <a:off x="7728643" y="4640314"/>
+            <a:ext cx="2098460" cy="369332"/>
+          </a:xfrm>
+          <a:prstGeom prst="rect">
+            <a:avLst/>
+          </a:prstGeom>
+          <a:solidFill>
+            <a:schemeClr val="accent1">
+              <a:lumMod val="60000"/>
+              <a:lumOff val="40000"/>
+            </a:schemeClr>
+          </a:solidFill>
+        </p:spPr>
+        <p:txBody>
+          <a:bodyPr wrap="none" rtlCol="0">
+            <a:spAutoFit/>
+          </a:bodyPr>
+          <a:lstStyle/>
+          <a:p>
+            <a:r>
+              <a:rPr lang="en-US" dirty="0"/>
+              <a:t>Main User Interface</a:t>
+            </a:r>
+          </a:p>
+        </p:txBody>
+      </p:sp>
     </p:spTree>
     <p:extLst>
       <p:ext uri="{BB962C8B-B14F-4D97-AF65-F5344CB8AC3E}">
-        <p14:creationId xmlns:p14="http://schemas.microsoft.com/office/powerpoint/2010/main" val="260835029"/>
+        <p14:creationId xmlns:p14="http://schemas.microsoft.com/office/powerpoint/2010/main" val="1074241195"/>
       </p:ext>
     </p:extLst>
   </p:cSld>

--- a/Collaborative Robotics User interface and HRI Metrics [Autosaved].pptx
+++ b/Collaborative Robotics User interface and HRI Metrics [Autosaved].pptx
@@ -188,7 +188,7 @@
 <file path=ppt/comments/comment3.xml><?xml version="1.0" encoding="utf-8"?>
 <p:cmLst xmlns:a="http://schemas.openxmlformats.org/drawingml/2006/main" xmlns:r="http://schemas.openxmlformats.org/officeDocument/2006/relationships" xmlns:p="http://schemas.openxmlformats.org/presentationml/2006/main">
   <p:cm authorId="1" dt="2019-07-22T09:14:19.332" idx="4">
-    <p:pos x="4335" y="1901"/>
+    <p:pos x="4556" y="2001"/>
     <p:text>This is very good! I think this is the most important thing to explain as to why your project is important.</p:text>
     <p:extLst mod="1">
       <p:ext uri="{C676402C-5697-4E1C-873F-D02D1690AC5C}">
@@ -303,9 +303,9 @@
     </p:extLst>
   </p:cm>
   <p:cm authorId="1" dt="2019-07-22T09:40:23.302" idx="14">
-    <p:pos x="3052" y="1135"/>
+    <p:pos x="4854" y="1557"/>
     <p:text>What was the main purpose of taking these measurements?</p:text>
-    <p:extLst>
+    <p:extLst mod="1">
       <p:ext uri="{C676402C-5697-4E1C-873F-D02D1690AC5C}">
         <p15:threadingInfo xmlns:p15="http://schemas.microsoft.com/office/powerpoint/2012/main" timeZoneBias="240"/>
       </p:ext>
@@ -4478,7 +4478,7 @@
         </p:blipFill>
         <p:spPr>
           <a:xfrm>
-            <a:off x="2966758" y="1263895"/>
+            <a:off x="3163133" y="1285160"/>
             <a:ext cx="6258484" cy="3516828"/>
           </a:xfrm>
           <a:prstGeom prst="rect">
@@ -4917,31 +4917,25 @@
         </p:spPr>
         <p:txBody>
           <a:bodyPr>
-            <a:normAutofit lnSpcReduction="10000"/>
+            <a:normAutofit/>
           </a:bodyPr>
           <a:lstStyle/>
           <a:p>
-            <a:endParaRPr lang="en-US" dirty="0"/>
-          </a:p>
-          <a:p>
-            <a:endParaRPr lang="en-US" dirty="0"/>
-          </a:p>
-          <a:p>
             <a:r>
               <a:rPr lang="en-US" dirty="0"/>
-              <a:t>From the preliminary results from the designed user interfaces, we able to setup the system for controlling the robot</a:t>
+              <a:t>The final UI design is capable of simulating good control schemes and bad control schemes</a:t>
             </a:r>
           </a:p>
           <a:p>
             <a:r>
               <a:rPr lang="en-US" dirty="0"/>
-              <a:t>Metrics from the user such as the amount of points/effort taken to complete a task were noted and can be taken from the data</a:t>
+              <a:t>The controls being directed from the tablet to the robot can be interpreted in real-time using CRPI and the Unity app</a:t>
             </a:r>
           </a:p>
           <a:p>
             <a:r>
               <a:rPr lang="en-US" dirty="0"/>
-              <a:t>Task completion performance is taken into account such as the amount of time that was taken to complete it as well as comparing it against a control task </a:t>
+              <a:t>The motion capture system can be used as an alternate system for selecting the robot. </a:t>
             </a:r>
           </a:p>
           <a:p>
@@ -6175,7 +6169,7 @@
         <p:spPr>
           <a:xfrm>
             <a:off x="1371600" y="1753986"/>
-            <a:ext cx="8281358" cy="4113414"/>
+            <a:ext cx="9324753" cy="4113414"/>
           </a:xfrm>
         </p:spPr>
         <p:txBody>
@@ -6633,7 +6627,7 @@
           <a:p>
             <a:r>
               <a:rPr lang="en-US" dirty="0"/>
-              <a:t>Through application of a real industrial setting, showcase the difference in performance from using a good UI in contrast to current industry standards</a:t>
+              <a:t>Through application of an industrial case, showcase the difference in performance from using a good UI in contrast to current industry standards</a:t>
             </a:r>
           </a:p>
         </p:txBody>
@@ -6899,7 +6893,7 @@
         </p:blipFill>
         <p:spPr>
           <a:xfrm>
-            <a:off x="3374326" y="1142718"/>
+            <a:off x="3161675" y="1142718"/>
             <a:ext cx="6595367" cy="4572563"/>
           </a:xfrm>
           <a:prstGeom prst="rect">
@@ -6935,7 +6929,7 @@
         </p:nvSpPr>
         <p:spPr>
           <a:xfrm>
-            <a:off x="3374325" y="5897416"/>
+            <a:off x="3161674" y="5897416"/>
             <a:ext cx="6595367" cy="338554"/>
           </a:xfrm>
           <a:prstGeom prst="rect">

--- a/Collaborative Robotics User interface and HRI Metrics [Autosaved].pptx
+++ b/Collaborative Robotics User interface and HRI Metrics [Autosaved].pptx
@@ -422,7 +422,7 @@
           <a:p>
             <a:fld id="{EDFED6FB-CEE5-460E-A2E7-CAF03677117E}" type="datetimeFigureOut">
               <a:rPr lang="en-US" smtClean="0"/>
-              <a:t>7/22/2019</a:t>
+              <a:t>7/23/2019</a:t>
             </a:fld>
             <a:endParaRPr lang="en-US"/>
           </a:p>
@@ -877,7 +877,7 @@
           <a:p>
             <a:fld id="{33F8A6F0-D26C-4B19-9A17-40C11A0EDF7C}" type="datetime1">
               <a:rPr lang="en-US" smtClean="0"/>
-              <a:t>7/22/2019</a:t>
+              <a:t>7/23/2019</a:t>
             </a:fld>
             <a:endParaRPr lang="en-US" dirty="0"/>
           </a:p>
@@ -1203,7 +1203,7 @@
           <a:p>
             <a:fld id="{90CD9D8E-F242-4203-8EE6-688EA94AC14C}" type="datetime1">
               <a:rPr lang="en-US" smtClean="0"/>
-              <a:t>7/22/2019</a:t>
+              <a:t>7/23/2019</a:t>
             </a:fld>
             <a:endParaRPr lang="en-US" dirty="0"/>
           </a:p>
@@ -1378,7 +1378,7 @@
           <a:p>
             <a:fld id="{FB64C301-B5B6-46F7-9B32-04453837B3DB}" type="datetime1">
               <a:rPr lang="en-US" smtClean="0"/>
-              <a:t>7/22/2019</a:t>
+              <a:t>7/23/2019</a:t>
             </a:fld>
             <a:endParaRPr lang="en-US" dirty="0"/>
           </a:p>
@@ -1543,7 +1543,7 @@
           <a:p>
             <a:fld id="{8C6E4506-ACB1-4965-BEAE-59E77912390F}" type="datetime1">
               <a:rPr lang="en-US" smtClean="0"/>
-              <a:t>7/22/2019</a:t>
+              <a:t>7/23/2019</a:t>
             </a:fld>
             <a:endParaRPr lang="en-US" dirty="0"/>
           </a:p>
@@ -1815,7 +1815,7 @@
           <a:p>
             <a:fld id="{F4FC7FCA-5CE9-46FC-BA71-B3F9F9253528}" type="datetime1">
               <a:rPr lang="en-US" smtClean="0"/>
-              <a:t>7/22/2019</a:t>
+              <a:t>7/23/2019</a:t>
             </a:fld>
             <a:endParaRPr lang="en-US" dirty="0"/>
           </a:p>
@@ -2205,7 +2205,7 @@
           <a:p>
             <a:fld id="{2812FE64-ABC3-4CA6-B131-DD31A83F6BC5}" type="datetime1">
               <a:rPr lang="en-US" smtClean="0"/>
-              <a:t>7/22/2019</a:t>
+              <a:t>7/23/2019</a:t>
             </a:fld>
             <a:endParaRPr lang="en-US" dirty="0"/>
           </a:p>
@@ -2677,7 +2677,7 @@
           <a:p>
             <a:fld id="{0056F1BE-4726-4202-80AA-15A326510794}" type="datetime1">
               <a:rPr lang="en-US" smtClean="0"/>
-              <a:t>7/22/2019</a:t>
+              <a:t>7/23/2019</a:t>
             </a:fld>
             <a:endParaRPr lang="en-US" dirty="0"/>
           </a:p>
@@ -2790,7 +2790,7 @@
           <a:p>
             <a:fld id="{3E7E9869-FA3F-4A7E-9363-F73B6A02ED6C}" type="datetime1">
               <a:rPr lang="en-US" smtClean="0"/>
-              <a:t>7/22/2019</a:t>
+              <a:t>7/23/2019</a:t>
             </a:fld>
             <a:endParaRPr lang="en-US" dirty="0"/>
           </a:p>
@@ -2880,7 +2880,7 @@
           <a:p>
             <a:fld id="{EC269C21-28DC-4B2C-95EE-C70D46F9B1EA}" type="datetime1">
               <a:rPr lang="en-US" smtClean="0"/>
-              <a:t>7/22/2019</a:t>
+              <a:t>7/23/2019</a:t>
             </a:fld>
             <a:endParaRPr lang="en-US" dirty="0"/>
           </a:p>
@@ -3221,7 +3221,7 @@
           <a:p>
             <a:fld id="{32D7426B-7980-4225-B0EC-294F4CCADDC3}" type="datetime1">
               <a:rPr lang="en-US" smtClean="0"/>
-              <a:t>7/22/2019</a:t>
+              <a:t>7/23/2019</a:t>
             </a:fld>
             <a:endParaRPr lang="en-US" dirty="0"/>
           </a:p>
@@ -3605,7 +3605,7 @@
           <a:p>
             <a:fld id="{1E542495-1D88-457C-A7CE-F29CDFC4BCBD}" type="datetime1">
               <a:rPr lang="en-US" smtClean="0"/>
-              <a:t>7/22/2019</a:t>
+              <a:t>7/23/2019</a:t>
             </a:fld>
             <a:endParaRPr lang="en-US" dirty="0"/>
           </a:p>
@@ -3879,7 +3879,7 @@
           <a:p>
             <a:fld id="{803EB495-F757-45D6-82C3-F3E34A9D045B}" type="datetime1">
               <a:rPr lang="en-US" smtClean="0"/>
-              <a:t>7/22/2019</a:t>
+              <a:t>7/23/2019</a:t>
             </a:fld>
             <a:endParaRPr lang="en-US" dirty="0"/>
           </a:p>
@@ -7236,12 +7236,14 @@
         </p:nvSpPr>
         <p:spPr>
           <a:xfrm>
-            <a:off x="1627359" y="2029338"/>
+            <a:off x="1371600" y="1880748"/>
             <a:ext cx="9345441" cy="2534273"/>
           </a:xfrm>
         </p:spPr>
         <p:txBody>
-          <a:bodyPr/>
+          <a:bodyPr>
+            <a:normAutofit/>
+          </a:bodyPr>
           <a:lstStyle/>
           <a:p>
             <a:r>
@@ -7666,371 +7668,392 @@
           </a:p>
         </p:txBody>
       </p:sp>
-      <p:pic>
-        <p:nvPicPr>
-          <p:cNvPr id="11" name="Picture 10">
+      <p:grpSp>
+        <p:nvGrpSpPr>
+          <p:cNvPr id="7" name="Group 6">
             <a:extLst>
               <a:ext uri="{FF2B5EF4-FFF2-40B4-BE49-F238E27FC236}">
-                <a16:creationId xmlns:a16="http://schemas.microsoft.com/office/drawing/2014/main" id="{A4E2911B-718F-4163-8B1A-9D07CB1191DD}"/>
+                <a16:creationId xmlns:a16="http://schemas.microsoft.com/office/drawing/2014/main" id="{53020134-1786-4829-AAC6-2A9D9E7C7FEB}"/>
               </a:ext>
             </a:extLst>
           </p:cNvPr>
-          <p:cNvPicPr>
-            <a:picLocks noChangeAspect="1"/>
-          </p:cNvPicPr>
+          <p:cNvGrpSpPr/>
           <p:nvPr/>
-        </p:nvPicPr>
-        <p:blipFill rotWithShape="1">
-          <a:blip r:embed="rId2" cstate="print">
-            <a:extLst>
-              <a:ext uri="{28A0092B-C50C-407E-A947-70E740481C1C}">
-                <a14:useLocalDpi xmlns:a14="http://schemas.microsoft.com/office/drawing/2010/main"/>
-              </a:ext>
-            </a:extLst>
-          </a:blip>
-          <a:srcRect/>
-          <a:stretch/>
-        </p:blipFill>
-        <p:spPr>
-          <a:xfrm>
-            <a:off x="3363987" y="1498782"/>
-            <a:ext cx="5805182" cy="4673418"/>
-          </a:xfrm>
-          <a:prstGeom prst="rect">
-            <a:avLst/>
-          </a:prstGeom>
-        </p:spPr>
-      </p:pic>
-      <p:sp>
-        <p:nvSpPr>
-          <p:cNvPr id="9" name="Oval 8">
-            <a:extLst>
-              <a:ext uri="{FF2B5EF4-FFF2-40B4-BE49-F238E27FC236}">
-                <a16:creationId xmlns:a16="http://schemas.microsoft.com/office/drawing/2014/main" id="{1FFA00CC-3B58-463F-ACAB-08AFE3B7665A}"/>
-              </a:ext>
-            </a:extLst>
-          </p:cNvPr>
-          <p:cNvSpPr/>
-          <p:nvPr/>
-        </p:nvSpPr>
-        <p:spPr>
-          <a:xfrm>
-            <a:off x="3523376" y="2767305"/>
-            <a:ext cx="847288" cy="831572"/>
-          </a:xfrm>
-          <a:prstGeom prst="ellipse">
-            <a:avLst/>
-          </a:prstGeom>
-          <a:noFill/>
-          <a:ln>
-            <a:solidFill>
-              <a:srgbClr val="FFFF00"/>
-            </a:solidFill>
-          </a:ln>
-        </p:spPr>
-        <p:style>
-          <a:lnRef idx="2">
-            <a:schemeClr val="accent1">
-              <a:shade val="50000"/>
-            </a:schemeClr>
-          </a:lnRef>
-          <a:fillRef idx="1">
-            <a:schemeClr val="accent1"/>
-          </a:fillRef>
-          <a:effectRef idx="0">
-            <a:schemeClr val="accent1"/>
-          </a:effectRef>
-          <a:fontRef idx="minor">
-            <a:schemeClr val="lt1"/>
-          </a:fontRef>
-        </p:style>
-        <p:txBody>
-          <a:bodyPr rtlCol="0" anchor="ctr"/>
-          <a:lstStyle/>
-          <a:p>
-            <a:pPr algn="ctr"/>
-            <a:endParaRPr lang="en-US"/>
-          </a:p>
-        </p:txBody>
-      </p:sp>
-      <p:sp>
-        <p:nvSpPr>
-          <p:cNvPr id="12" name="Oval 11">
-            <a:extLst>
-              <a:ext uri="{FF2B5EF4-FFF2-40B4-BE49-F238E27FC236}">
-                <a16:creationId xmlns:a16="http://schemas.microsoft.com/office/drawing/2014/main" id="{A2E6218C-115E-42F2-8ED6-BD18263650F0}"/>
-              </a:ext>
-            </a:extLst>
-          </p:cNvPr>
-          <p:cNvSpPr/>
-          <p:nvPr/>
-        </p:nvSpPr>
-        <p:spPr>
-          <a:xfrm>
-            <a:off x="5882082" y="3447093"/>
-            <a:ext cx="1399562" cy="772570"/>
-          </a:xfrm>
-          <a:prstGeom prst="ellipse">
-            <a:avLst/>
-          </a:prstGeom>
-          <a:noFill/>
-          <a:ln>
-            <a:solidFill>
-              <a:srgbClr val="FFFF00"/>
-            </a:solidFill>
-          </a:ln>
-        </p:spPr>
-        <p:style>
-          <a:lnRef idx="2">
-            <a:schemeClr val="accent1">
-              <a:shade val="50000"/>
-            </a:schemeClr>
-          </a:lnRef>
-          <a:fillRef idx="1">
-            <a:schemeClr val="accent1"/>
-          </a:fillRef>
-          <a:effectRef idx="0">
-            <a:schemeClr val="accent1"/>
-          </a:effectRef>
-          <a:fontRef idx="minor">
-            <a:schemeClr val="lt1"/>
-          </a:fontRef>
-        </p:style>
-        <p:txBody>
-          <a:bodyPr rtlCol="0" anchor="ctr"/>
-          <a:lstStyle/>
-          <a:p>
-            <a:pPr algn="ctr"/>
-            <a:endParaRPr lang="en-US"/>
-          </a:p>
-        </p:txBody>
-      </p:sp>
-      <p:sp>
-        <p:nvSpPr>
-          <p:cNvPr id="10" name="TextBox 9">
-            <a:extLst>
-              <a:ext uri="{FF2B5EF4-FFF2-40B4-BE49-F238E27FC236}">
-                <a16:creationId xmlns:a16="http://schemas.microsoft.com/office/drawing/2014/main" id="{00D93D74-B617-4CBB-8516-3F0D87955182}"/>
-              </a:ext>
-            </a:extLst>
-          </p:cNvPr>
-          <p:cNvSpPr txBox="1"/>
-          <p:nvPr/>
-        </p:nvSpPr>
-        <p:spPr>
-          <a:xfrm>
-            <a:off x="2122415" y="4211273"/>
-            <a:ext cx="3011647" cy="369332"/>
-          </a:xfrm>
-          <a:prstGeom prst="rect">
-            <a:avLst/>
-          </a:prstGeom>
-          <a:solidFill>
-            <a:schemeClr val="accent1">
-              <a:lumMod val="60000"/>
-              <a:lumOff val="40000"/>
-            </a:schemeClr>
-          </a:solidFill>
-        </p:spPr>
-        <p:txBody>
-          <a:bodyPr wrap="square" rtlCol="0">
-            <a:spAutoFit/>
-          </a:bodyPr>
-          <a:lstStyle/>
-          <a:p>
-            <a:r>
-              <a:rPr lang="en-US" dirty="0"/>
-              <a:t>Motion Capture system</a:t>
-            </a:r>
-          </a:p>
-        </p:txBody>
-      </p:sp>
-      <p:cxnSp>
-        <p:nvCxnSpPr>
-          <p:cNvPr id="14" name="Straight Arrow Connector 13">
-            <a:extLst>
-              <a:ext uri="{FF2B5EF4-FFF2-40B4-BE49-F238E27FC236}">
-                <a16:creationId xmlns:a16="http://schemas.microsoft.com/office/drawing/2014/main" id="{9982F1EC-463A-4427-A790-E0D34E36C6CD}"/>
-              </a:ext>
-            </a:extLst>
-          </p:cNvPr>
-          <p:cNvCxnSpPr>
-            <a:stCxn id="10" idx="3"/>
-            <a:endCxn id="12" idx="3"/>
-          </p:cNvCxnSpPr>
-          <p:nvPr/>
-        </p:nvCxnSpPr>
-        <p:spPr>
-          <a:xfrm flipV="1">
-            <a:off x="5134062" y="4106523"/>
-            <a:ext cx="952981" cy="289416"/>
-          </a:xfrm>
-          <a:prstGeom prst="straightConnector1">
-            <a:avLst/>
-          </a:prstGeom>
-          <a:ln w="76200">
-            <a:solidFill>
-              <a:srgbClr val="FFFF00"/>
-            </a:solidFill>
-            <a:tailEnd type="triangle"/>
-          </a:ln>
-        </p:spPr>
-        <p:style>
-          <a:lnRef idx="2">
-            <a:schemeClr val="accent1"/>
-          </a:lnRef>
-          <a:fillRef idx="0">
-            <a:schemeClr val="accent1"/>
-          </a:fillRef>
-          <a:effectRef idx="1">
-            <a:schemeClr val="accent1"/>
-          </a:effectRef>
-          <a:fontRef idx="minor">
-            <a:schemeClr val="tx1"/>
-          </a:fontRef>
-        </p:style>
-      </p:cxnSp>
-      <p:cxnSp>
-        <p:nvCxnSpPr>
-          <p:cNvPr id="15" name="Straight Arrow Connector 14">
-            <a:extLst>
-              <a:ext uri="{FF2B5EF4-FFF2-40B4-BE49-F238E27FC236}">
-                <a16:creationId xmlns:a16="http://schemas.microsoft.com/office/drawing/2014/main" id="{F3F496BC-9EA8-4018-B6CC-7D606DE9540A}"/>
-              </a:ext>
-            </a:extLst>
-          </p:cNvPr>
-          <p:cNvCxnSpPr>
-            <a:cxnSpLocks/>
-            <a:stCxn id="10" idx="0"/>
-            <a:endCxn id="9" idx="4"/>
-          </p:cNvCxnSpPr>
-          <p:nvPr/>
-        </p:nvCxnSpPr>
-        <p:spPr>
-          <a:xfrm flipV="1">
-            <a:off x="3628239" y="3598877"/>
-            <a:ext cx="318781" cy="612396"/>
-          </a:xfrm>
-          <a:prstGeom prst="straightConnector1">
-            <a:avLst/>
-          </a:prstGeom>
-          <a:ln w="76200">
-            <a:solidFill>
-              <a:srgbClr val="FFFF00"/>
-            </a:solidFill>
-            <a:tailEnd type="triangle"/>
-          </a:ln>
-        </p:spPr>
-        <p:style>
-          <a:lnRef idx="2">
-            <a:schemeClr val="accent1"/>
-          </a:lnRef>
-          <a:fillRef idx="0">
-            <a:schemeClr val="accent1"/>
-          </a:fillRef>
-          <a:effectRef idx="1">
-            <a:schemeClr val="accent1"/>
-          </a:effectRef>
-          <a:fontRef idx="minor">
-            <a:schemeClr val="tx1"/>
-          </a:fontRef>
-        </p:style>
-      </p:cxnSp>
-      <p:sp>
-        <p:nvSpPr>
-          <p:cNvPr id="23" name="Rectangle 22">
-            <a:extLst>
-              <a:ext uri="{FF2B5EF4-FFF2-40B4-BE49-F238E27FC236}">
-                <a16:creationId xmlns:a16="http://schemas.microsoft.com/office/drawing/2014/main" id="{726BCB29-C2CF-4DCE-A21F-A0C3ACACD101}"/>
-              </a:ext>
-            </a:extLst>
-          </p:cNvPr>
-          <p:cNvSpPr/>
-          <p:nvPr/>
-        </p:nvSpPr>
-        <p:spPr>
-          <a:xfrm>
-            <a:off x="6534042" y="4106523"/>
-            <a:ext cx="1194601" cy="1806247"/>
-          </a:xfrm>
-          <a:prstGeom prst="rect">
-            <a:avLst/>
-          </a:prstGeom>
-          <a:noFill/>
-          <a:ln>
+        </p:nvGrpSpPr>
+        <p:grpSpPr>
+          <a:xfrm>
+            <a:off x="2179565" y="1498782"/>
+            <a:ext cx="7647538" cy="4673418"/>
+            <a:chOff x="2179565" y="1498782"/>
+            <a:chExt cx="7647538" cy="4673418"/>
+          </a:xfrm>
+        </p:grpSpPr>
+        <p:pic>
+          <p:nvPicPr>
+            <p:cNvPr id="11" name="Picture 10">
+              <a:extLst>
+                <a:ext uri="{FF2B5EF4-FFF2-40B4-BE49-F238E27FC236}">
+                  <a16:creationId xmlns:a16="http://schemas.microsoft.com/office/drawing/2014/main" id="{A4E2911B-718F-4163-8B1A-9D07CB1191DD}"/>
+                </a:ext>
+              </a:extLst>
+            </p:cNvPr>
+            <p:cNvPicPr>
+              <a:picLocks noChangeAspect="1"/>
+            </p:cNvPicPr>
+            <p:nvPr/>
+          </p:nvPicPr>
+          <p:blipFill rotWithShape="1">
+            <a:blip r:embed="rId2" cstate="print">
+              <a:extLst>
+                <a:ext uri="{28A0092B-C50C-407E-A947-70E740481C1C}">
+                  <a14:useLocalDpi xmlns:a14="http://schemas.microsoft.com/office/drawing/2010/main"/>
+                </a:ext>
+              </a:extLst>
+            </a:blip>
+            <a:srcRect/>
+            <a:stretch/>
+          </p:blipFill>
+          <p:spPr>
+            <a:xfrm>
+              <a:off x="3363987" y="1498782"/>
+              <a:ext cx="5805182" cy="4673418"/>
+            </a:xfrm>
+            <a:prstGeom prst="rect">
+              <a:avLst/>
+            </a:prstGeom>
+          </p:spPr>
+        </p:pic>
+        <p:sp>
+          <p:nvSpPr>
+            <p:cNvPr id="9" name="Oval 8">
+              <a:extLst>
+                <a:ext uri="{FF2B5EF4-FFF2-40B4-BE49-F238E27FC236}">
+                  <a16:creationId xmlns:a16="http://schemas.microsoft.com/office/drawing/2014/main" id="{1FFA00CC-3B58-463F-ACAB-08AFE3B7665A}"/>
+                </a:ext>
+              </a:extLst>
+            </p:cNvPr>
+            <p:cNvSpPr/>
+            <p:nvPr/>
+          </p:nvSpPr>
+          <p:spPr>
+            <a:xfrm>
+              <a:off x="3523376" y="2767305"/>
+              <a:ext cx="847288" cy="831572"/>
+            </a:xfrm>
+            <a:prstGeom prst="ellipse">
+              <a:avLst/>
+            </a:prstGeom>
+            <a:noFill/>
+            <a:ln>
+              <a:solidFill>
+                <a:srgbClr val="FFFF00"/>
+              </a:solidFill>
+            </a:ln>
+          </p:spPr>
+          <p:style>
+            <a:lnRef idx="2">
+              <a:schemeClr val="accent1">
+                <a:shade val="50000"/>
+              </a:schemeClr>
+            </a:lnRef>
+            <a:fillRef idx="1">
+              <a:schemeClr val="accent1"/>
+            </a:fillRef>
+            <a:effectRef idx="0">
+              <a:schemeClr val="accent1"/>
+            </a:effectRef>
+            <a:fontRef idx="minor">
+              <a:schemeClr val="lt1"/>
+            </a:fontRef>
+          </p:style>
+          <p:txBody>
+            <a:bodyPr rtlCol="0" anchor="ctr"/>
+            <a:lstStyle/>
+            <a:p>
+              <a:pPr algn="ctr"/>
+              <a:endParaRPr lang="en-US"/>
+            </a:p>
+          </p:txBody>
+        </p:sp>
+        <p:sp>
+          <p:nvSpPr>
+            <p:cNvPr id="12" name="Oval 11">
+              <a:extLst>
+                <a:ext uri="{FF2B5EF4-FFF2-40B4-BE49-F238E27FC236}">
+                  <a16:creationId xmlns:a16="http://schemas.microsoft.com/office/drawing/2014/main" id="{A2E6218C-115E-42F2-8ED6-BD18263650F0}"/>
+                </a:ext>
+              </a:extLst>
+            </p:cNvPr>
+            <p:cNvSpPr/>
+            <p:nvPr/>
+          </p:nvSpPr>
+          <p:spPr>
+            <a:xfrm>
+              <a:off x="5882082" y="3447093"/>
+              <a:ext cx="1399562" cy="772570"/>
+            </a:xfrm>
+            <a:prstGeom prst="ellipse">
+              <a:avLst/>
+            </a:prstGeom>
+            <a:noFill/>
+            <a:ln>
+              <a:solidFill>
+                <a:srgbClr val="FFFF00"/>
+              </a:solidFill>
+            </a:ln>
+          </p:spPr>
+          <p:style>
+            <a:lnRef idx="2">
+              <a:schemeClr val="accent1">
+                <a:shade val="50000"/>
+              </a:schemeClr>
+            </a:lnRef>
+            <a:fillRef idx="1">
+              <a:schemeClr val="accent1"/>
+            </a:fillRef>
+            <a:effectRef idx="0">
+              <a:schemeClr val="accent1"/>
+            </a:effectRef>
+            <a:fontRef idx="minor">
+              <a:schemeClr val="lt1"/>
+            </a:fontRef>
+          </p:style>
+          <p:txBody>
+            <a:bodyPr rtlCol="0" anchor="ctr"/>
+            <a:lstStyle/>
+            <a:p>
+              <a:pPr algn="ctr"/>
+              <a:endParaRPr lang="en-US"/>
+            </a:p>
+          </p:txBody>
+        </p:sp>
+        <p:sp>
+          <p:nvSpPr>
+            <p:cNvPr id="10" name="TextBox 9">
+              <a:extLst>
+                <a:ext uri="{FF2B5EF4-FFF2-40B4-BE49-F238E27FC236}">
+                  <a16:creationId xmlns:a16="http://schemas.microsoft.com/office/drawing/2014/main" id="{00D93D74-B617-4CBB-8516-3F0D87955182}"/>
+                </a:ext>
+              </a:extLst>
+            </p:cNvPr>
+            <p:cNvSpPr txBox="1"/>
+            <p:nvPr/>
+          </p:nvSpPr>
+          <p:spPr>
+            <a:xfrm>
+              <a:off x="2179565" y="4270982"/>
+              <a:ext cx="3011647" cy="369332"/>
+            </a:xfrm>
+            <a:prstGeom prst="rect">
+              <a:avLst/>
+            </a:prstGeom>
             <a:solidFill>
               <a:schemeClr val="accent1">
                 <a:lumMod val="60000"/>
                 <a:lumOff val="40000"/>
               </a:schemeClr>
             </a:solidFill>
-          </a:ln>
-        </p:spPr>
-        <p:style>
-          <a:lnRef idx="2">
-            <a:schemeClr val="accent1">
-              <a:shade val="50000"/>
-            </a:schemeClr>
-          </a:lnRef>
-          <a:fillRef idx="1">
-            <a:schemeClr val="accent1"/>
-          </a:fillRef>
-          <a:effectRef idx="0">
-            <a:schemeClr val="accent1"/>
-          </a:effectRef>
-          <a:fontRef idx="minor">
-            <a:schemeClr val="lt1"/>
-          </a:fontRef>
-        </p:style>
-        <p:txBody>
-          <a:bodyPr rtlCol="0" anchor="ctr"/>
-          <a:lstStyle/>
-          <a:p>
-            <a:pPr algn="ctr"/>
-            <a:endParaRPr lang="en-US"/>
-          </a:p>
-        </p:txBody>
-      </p:sp>
-      <p:sp>
-        <p:nvSpPr>
-          <p:cNvPr id="24" name="TextBox 23">
-            <a:extLst>
-              <a:ext uri="{FF2B5EF4-FFF2-40B4-BE49-F238E27FC236}">
-                <a16:creationId xmlns:a16="http://schemas.microsoft.com/office/drawing/2014/main" id="{B5C84E17-BAE8-4821-BCB7-1F72D2FBA4B4}"/>
-              </a:ext>
-            </a:extLst>
-          </p:cNvPr>
-          <p:cNvSpPr txBox="1"/>
-          <p:nvPr/>
-        </p:nvSpPr>
-        <p:spPr>
-          <a:xfrm>
-            <a:off x="7728643" y="4640314"/>
-            <a:ext cx="2098460" cy="369332"/>
-          </a:xfrm>
-          <a:prstGeom prst="rect">
-            <a:avLst/>
-          </a:prstGeom>
-          <a:solidFill>
-            <a:schemeClr val="accent1">
-              <a:lumMod val="60000"/>
-              <a:lumOff val="40000"/>
-            </a:schemeClr>
-          </a:solidFill>
-        </p:spPr>
-        <p:txBody>
-          <a:bodyPr wrap="none" rtlCol="0">
-            <a:spAutoFit/>
-          </a:bodyPr>
-          <a:lstStyle/>
-          <a:p>
-            <a:r>
-              <a:rPr lang="en-US" dirty="0"/>
-              <a:t>Main User Interface</a:t>
-            </a:r>
-          </a:p>
-        </p:txBody>
-      </p:sp>
+          </p:spPr>
+          <p:txBody>
+            <a:bodyPr wrap="square" rtlCol="0">
+              <a:spAutoFit/>
+            </a:bodyPr>
+            <a:lstStyle/>
+            <a:p>
+              <a:r>
+                <a:rPr lang="en-US" dirty="0"/>
+                <a:t>Motion Capture system</a:t>
+              </a:r>
+            </a:p>
+          </p:txBody>
+        </p:sp>
+        <p:cxnSp>
+          <p:nvCxnSpPr>
+            <p:cNvPr id="14" name="Straight Arrow Connector 13">
+              <a:extLst>
+                <a:ext uri="{FF2B5EF4-FFF2-40B4-BE49-F238E27FC236}">
+                  <a16:creationId xmlns:a16="http://schemas.microsoft.com/office/drawing/2014/main" id="{9982F1EC-463A-4427-A790-E0D34E36C6CD}"/>
+                </a:ext>
+              </a:extLst>
+            </p:cNvPr>
+            <p:cNvCxnSpPr>
+              <a:stCxn id="10" idx="3"/>
+              <a:endCxn id="12" idx="3"/>
+            </p:cNvCxnSpPr>
+            <p:nvPr/>
+          </p:nvCxnSpPr>
+          <p:spPr>
+            <a:xfrm flipV="1">
+              <a:off x="4477468" y="4106523"/>
+              <a:ext cx="895831" cy="349125"/>
+            </a:xfrm>
+            <a:prstGeom prst="straightConnector1">
+              <a:avLst/>
+            </a:prstGeom>
+            <a:ln w="76200">
+              <a:solidFill>
+                <a:srgbClr val="FFFF00"/>
+              </a:solidFill>
+              <a:tailEnd type="triangle"/>
+            </a:ln>
+          </p:spPr>
+          <p:style>
+            <a:lnRef idx="2">
+              <a:schemeClr val="accent1"/>
+            </a:lnRef>
+            <a:fillRef idx="0">
+              <a:schemeClr val="accent1"/>
+            </a:fillRef>
+            <a:effectRef idx="1">
+              <a:schemeClr val="accent1"/>
+            </a:effectRef>
+            <a:fontRef idx="minor">
+              <a:schemeClr val="tx1"/>
+            </a:fontRef>
+          </p:style>
+        </p:cxnSp>
+        <p:cxnSp>
+          <p:nvCxnSpPr>
+            <p:cNvPr id="15" name="Straight Arrow Connector 14">
+              <a:extLst>
+                <a:ext uri="{FF2B5EF4-FFF2-40B4-BE49-F238E27FC236}">
+                  <a16:creationId xmlns:a16="http://schemas.microsoft.com/office/drawing/2014/main" id="{F3F496BC-9EA8-4018-B6CC-7D606DE9540A}"/>
+                </a:ext>
+              </a:extLst>
+            </p:cNvPr>
+            <p:cNvCxnSpPr>
+              <a:cxnSpLocks/>
+              <a:stCxn id="10" idx="0"/>
+              <a:endCxn id="9" idx="4"/>
+            </p:cNvCxnSpPr>
+            <p:nvPr/>
+          </p:nvCxnSpPr>
+          <p:spPr>
+            <a:xfrm flipV="1">
+              <a:off x="3328517" y="3598877"/>
+              <a:ext cx="261631" cy="672105"/>
+            </a:xfrm>
+            <a:prstGeom prst="straightConnector1">
+              <a:avLst/>
+            </a:prstGeom>
+            <a:ln w="76200">
+              <a:solidFill>
+                <a:srgbClr val="FFFF00"/>
+              </a:solidFill>
+              <a:tailEnd type="triangle"/>
+            </a:ln>
+          </p:spPr>
+          <p:style>
+            <a:lnRef idx="2">
+              <a:schemeClr val="accent1"/>
+            </a:lnRef>
+            <a:fillRef idx="0">
+              <a:schemeClr val="accent1"/>
+            </a:fillRef>
+            <a:effectRef idx="1">
+              <a:schemeClr val="accent1"/>
+            </a:effectRef>
+            <a:fontRef idx="minor">
+              <a:schemeClr val="tx1"/>
+            </a:fontRef>
+          </p:style>
+        </p:cxnSp>
+        <p:sp>
+          <p:nvSpPr>
+            <p:cNvPr id="23" name="Rectangle 22">
+              <a:extLst>
+                <a:ext uri="{FF2B5EF4-FFF2-40B4-BE49-F238E27FC236}">
+                  <a16:creationId xmlns:a16="http://schemas.microsoft.com/office/drawing/2014/main" id="{726BCB29-C2CF-4DCE-A21F-A0C3ACACD101}"/>
+                </a:ext>
+              </a:extLst>
+            </p:cNvPr>
+            <p:cNvSpPr/>
+            <p:nvPr/>
+          </p:nvSpPr>
+          <p:spPr>
+            <a:xfrm>
+              <a:off x="6534042" y="4106523"/>
+              <a:ext cx="1194601" cy="1806247"/>
+            </a:xfrm>
+            <a:prstGeom prst="rect">
+              <a:avLst/>
+            </a:prstGeom>
+            <a:noFill/>
+            <a:ln>
+              <a:solidFill>
+                <a:schemeClr val="accent1">
+                  <a:lumMod val="60000"/>
+                  <a:lumOff val="40000"/>
+                </a:schemeClr>
+              </a:solidFill>
+            </a:ln>
+          </p:spPr>
+          <p:style>
+            <a:lnRef idx="2">
+              <a:schemeClr val="accent1">
+                <a:shade val="50000"/>
+              </a:schemeClr>
+            </a:lnRef>
+            <a:fillRef idx="1">
+              <a:schemeClr val="accent1"/>
+            </a:fillRef>
+            <a:effectRef idx="0">
+              <a:schemeClr val="accent1"/>
+            </a:effectRef>
+            <a:fontRef idx="minor">
+              <a:schemeClr val="lt1"/>
+            </a:fontRef>
+          </p:style>
+          <p:txBody>
+            <a:bodyPr rtlCol="0" anchor="ctr"/>
+            <a:lstStyle/>
+            <a:p>
+              <a:pPr algn="ctr"/>
+              <a:endParaRPr lang="en-US"/>
+            </a:p>
+          </p:txBody>
+        </p:sp>
+        <p:sp>
+          <p:nvSpPr>
+            <p:cNvPr id="24" name="TextBox 23">
+              <a:extLst>
+                <a:ext uri="{FF2B5EF4-FFF2-40B4-BE49-F238E27FC236}">
+                  <a16:creationId xmlns:a16="http://schemas.microsoft.com/office/drawing/2014/main" id="{B5C84E17-BAE8-4821-BCB7-1F72D2FBA4B4}"/>
+                </a:ext>
+              </a:extLst>
+            </p:cNvPr>
+            <p:cNvSpPr txBox="1"/>
+            <p:nvPr/>
+          </p:nvSpPr>
+          <p:spPr>
+            <a:xfrm>
+              <a:off x="7728643" y="4640314"/>
+              <a:ext cx="2098460" cy="369332"/>
+            </a:xfrm>
+            <a:prstGeom prst="rect">
+              <a:avLst/>
+            </a:prstGeom>
+            <a:solidFill>
+              <a:schemeClr val="accent1">
+                <a:lumMod val="60000"/>
+                <a:lumOff val="40000"/>
+              </a:schemeClr>
+            </a:solidFill>
+          </p:spPr>
+          <p:txBody>
+            <a:bodyPr wrap="square" rtlCol="0">
+              <a:spAutoFit/>
+            </a:bodyPr>
+            <a:lstStyle/>
+            <a:p>
+              <a:r>
+                <a:rPr lang="en-US" dirty="0"/>
+                <a:t>Main User Interface</a:t>
+              </a:r>
+            </a:p>
+          </p:txBody>
+        </p:sp>
+      </p:grpSp>
     </p:spTree>
     <p:extLst>
       <p:ext uri="{BB962C8B-B14F-4D97-AF65-F5344CB8AC3E}">

--- a/Collaborative Robotics User interface and HRI Metrics [Autosaved].pptx
+++ b/Collaborative Robotics User interface and HRI Metrics [Autosaved].pptx
@@ -4570,13 +4570,13 @@
           <a:p>
             <a:r>
               <a:rPr lang="en-US" dirty="0"/>
-              <a:t>Collaborative Robotics Programming Interface (CRPI) allows the program to send commands to the robot from the tablet to the robot</a:t>
+              <a:t>Collaborative Robotics Programming Interface (CRPI) allows commands sent through an internet connection to be sent to the robot from the tablet to the robot</a:t>
             </a:r>
           </a:p>
           <a:p>
             <a:r>
               <a:rPr lang="en-US" dirty="0"/>
-              <a:t>The motion capture system relays data from a separate server whereupon a separate Unity instance calculates the position of items and determines what robot is the user looking at</a:t>
+              <a:t>The motion capture system relays data from a separate server whereupon a separate Unity instance calculates the position of items and determines what robot is the user looking at </a:t>
             </a:r>
           </a:p>
         </p:txBody>
@@ -4797,21 +4797,13 @@
           <a:p>
             <a:r>
               <a:rPr lang="en-US" dirty="0"/>
-              <a:t>On the </a:t>
-            </a:r>
-            <a:r>
-              <a:rPr lang="en-US" dirty="0" err="1"/>
-              <a:t>github</a:t>
-            </a:r>
-            <a:r>
-              <a:rPr lang="en-US" dirty="0"/>
-              <a:t> link </a:t>
+              <a:t>On the GitHub link </a:t>
             </a:r>
             <a:r>
               <a:rPr lang="en-US" dirty="0">
                 <a:hlinkClick r:id="rId2"/>
               </a:rPr>
-              <a:t>https://github.com/OvercodedStack/CRPI-UI-Research-Summer-of-2019</a:t>
+              <a:t>https://github.com/OvercodedStack/CRPI-UI-DOCUMENTATION-Summer-of-2019</a:t>
             </a:r>
             <a:endParaRPr lang="en-US" dirty="0"/>
           </a:p>
@@ -5033,6 +5025,42 @@
           </a:prstGeom>
         </p:spPr>
       </p:pic>
+      <p:sp>
+        <p:nvSpPr>
+          <p:cNvPr id="7" name="TextBox 6">
+            <a:extLst>
+              <a:ext uri="{FF2B5EF4-FFF2-40B4-BE49-F238E27FC236}">
+                <a16:creationId xmlns:a16="http://schemas.microsoft.com/office/drawing/2014/main" id="{275B1F16-7279-4AC3-85A6-1324484023BD}"/>
+              </a:ext>
+            </a:extLst>
+          </p:cNvPr>
+          <p:cNvSpPr txBox="1"/>
+          <p:nvPr/>
+        </p:nvSpPr>
+        <p:spPr>
+          <a:xfrm>
+            <a:off x="7882089" y="6083927"/>
+            <a:ext cx="3715060" cy="338554"/>
+          </a:xfrm>
+          <a:prstGeom prst="rect">
+            <a:avLst/>
+          </a:prstGeom>
+          <a:noFill/>
+        </p:spPr>
+        <p:txBody>
+          <a:bodyPr wrap="square" rtlCol="0">
+            <a:spAutoFit/>
+          </a:bodyPr>
+          <a:lstStyle/>
+          <a:p>
+            <a:pPr algn="ctr"/>
+            <a:r>
+              <a:rPr lang="en-US" sz="1600" dirty="0"/>
+              <a:t>Figure 6 – UI design as of 7/24/2019</a:t>
+            </a:r>
+          </a:p>
+        </p:txBody>
+      </p:sp>
     </p:spTree>
     <p:extLst>
       <p:ext uri="{BB962C8B-B14F-4D97-AF65-F5344CB8AC3E}">
@@ -5134,7 +5162,7 @@
           <a:p>
             <a:r>
               <a:rPr lang="en-US" dirty="0"/>
-              <a:t>These studies will be looking at the use of state-of-the art technologies being utilized such as virtual reality, augmented reality, brain computer interface, or wearable technologies.</a:t>
+              <a:t>These studies will be looking at the use of state-of-the art technologies being utilized such as virtual reality, augmented reality, brain computer interface (BCI), or wearable technologies.</a:t>
             </a:r>
           </a:p>
           <a:p>
@@ -5265,6 +5293,42 @@
           </a:effectLst>
         </p:spPr>
       </p:pic>
+      <p:sp>
+        <p:nvSpPr>
+          <p:cNvPr id="8" name="TextBox 7">
+            <a:extLst>
+              <a:ext uri="{FF2B5EF4-FFF2-40B4-BE49-F238E27FC236}">
+                <a16:creationId xmlns:a16="http://schemas.microsoft.com/office/drawing/2014/main" id="{A93F8B8C-D9A8-4EEF-B209-94E463A2B16E}"/>
+              </a:ext>
+            </a:extLst>
+          </p:cNvPr>
+          <p:cNvSpPr txBox="1"/>
+          <p:nvPr/>
+        </p:nvSpPr>
+        <p:spPr>
+          <a:xfrm>
+            <a:off x="8091061" y="5104014"/>
+            <a:ext cx="3993400" cy="584775"/>
+          </a:xfrm>
+          <a:prstGeom prst="rect">
+            <a:avLst/>
+          </a:prstGeom>
+          <a:noFill/>
+        </p:spPr>
+        <p:txBody>
+          <a:bodyPr wrap="square" rtlCol="0">
+            <a:spAutoFit/>
+          </a:bodyPr>
+          <a:lstStyle/>
+          <a:p>
+            <a:pPr algn="ctr"/>
+            <a:r>
+              <a:rPr lang="en-US" sz="1600" dirty="0"/>
+              <a:t>Figure 7 – BCI, motion capture, and experimental wearable technology</a:t>
+            </a:r>
+          </a:p>
+        </p:txBody>
+      </p:sp>
     </p:spTree>
     <p:extLst>
       <p:ext uri="{BB962C8B-B14F-4D97-AF65-F5344CB8AC3E}">
@@ -6733,7 +6797,7 @@
             <a:pPr algn="ctr"/>
             <a:r>
               <a:rPr lang="en-US" sz="1600" dirty="0"/>
-              <a:t>Figure 2 – UI design choice for an industrial robot </a:t>
+              <a:t>Figure 3 – UI design choice for an industrial robot </a:t>
             </a:r>
           </a:p>
         </p:txBody>
@@ -7322,7 +7386,7 @@
             <a:pPr algn="ctr"/>
             <a:r>
               <a:rPr lang="en-US" sz="1600" dirty="0"/>
-              <a:t>Figure 3 – System Overview breakdown</a:t>
+              <a:t>Figure 4 – System Overview breakdown</a:t>
             </a:r>
           </a:p>
         </p:txBody>
@@ -7841,6 +7905,42 @@
           </p:txBody>
         </p:sp>
       </p:grpSp>
+      <p:sp>
+        <p:nvSpPr>
+          <p:cNvPr id="16" name="TextBox 15">
+            <a:extLst>
+              <a:ext uri="{FF2B5EF4-FFF2-40B4-BE49-F238E27FC236}">
+                <a16:creationId xmlns:a16="http://schemas.microsoft.com/office/drawing/2014/main" id="{EFCDA216-896E-4EF0-9D35-19E7AB939002}"/>
+              </a:ext>
+            </a:extLst>
+          </p:cNvPr>
+          <p:cNvSpPr txBox="1"/>
+          <p:nvPr/>
+        </p:nvSpPr>
+        <p:spPr>
+          <a:xfrm>
+            <a:off x="3022831" y="6172200"/>
+            <a:ext cx="6595367" cy="338554"/>
+          </a:xfrm>
+          <a:prstGeom prst="rect">
+            <a:avLst/>
+          </a:prstGeom>
+          <a:noFill/>
+        </p:spPr>
+        <p:txBody>
+          <a:bodyPr wrap="square" rtlCol="0">
+            <a:spAutoFit/>
+          </a:bodyPr>
+          <a:lstStyle/>
+          <a:p>
+            <a:pPr algn="ctr"/>
+            <a:r>
+              <a:rPr lang="en-US" sz="1600" dirty="0"/>
+              <a:t>Figure 5 – Hardware Setup</a:t>
+            </a:r>
+          </a:p>
+        </p:txBody>
+      </p:sp>
     </p:spTree>
     <p:extLst>
       <p:ext uri="{BB962C8B-B14F-4D97-AF65-F5344CB8AC3E}">
